--- a/A Tuwaiq Data Science Bootcamp Project.pptx
+++ b/A Tuwaiq Data Science Bootcamp Project.pptx
@@ -5,10 +5,10 @@
     <p:sldMasterId id="2147483671" r:id="rId1"/>
   </p:sldMasterIdLst>
   <p:notesMasterIdLst>
-    <p:notesMasterId r:id="rId9"/>
+    <p:notesMasterId r:id="rId15"/>
   </p:notesMasterIdLst>
   <p:handoutMasterIdLst>
-    <p:handoutMasterId r:id="rId10"/>
+    <p:handoutMasterId r:id="rId16"/>
   </p:handoutMasterIdLst>
   <p:sldIdLst>
     <p:sldId id="278" r:id="rId2"/>
@@ -18,6 +18,12 @@
     <p:sldId id="274" r:id="rId6"/>
     <p:sldId id="279" r:id="rId7"/>
     <p:sldId id="280" r:id="rId8"/>
+    <p:sldId id="281" r:id="rId9"/>
+    <p:sldId id="282" r:id="rId10"/>
+    <p:sldId id="283" r:id="rId11"/>
+    <p:sldId id="284" r:id="rId12"/>
+    <p:sldId id="285" r:id="rId13"/>
+    <p:sldId id="268" r:id="rId14"/>
   </p:sldIdLst>
   <p:sldSz cx="12192000" cy="6858000"/>
   <p:notesSz cx="9388475" cy="7102475"/>
@@ -2590,6 +2596,275 @@
 </p:notes>
 </file>
 
+<file path=ppt/notesSlides/notesSlide10.xml><?xml version="1.0" encoding="utf-8"?>
+<p:notes xmlns:a="http://schemas.openxmlformats.org/drawingml/2006/main" xmlns:r="http://schemas.openxmlformats.org/officeDocument/2006/relationships" xmlns:p="http://schemas.openxmlformats.org/presentationml/2006/main">
+  <p:cSld>
+    <p:spTree>
+      <p:nvGrpSpPr>
+        <p:cNvPr id="1" name=""/>
+        <p:cNvGrpSpPr/>
+        <p:nvPr/>
+      </p:nvGrpSpPr>
+      <p:grpSpPr>
+        <a:xfrm>
+          <a:off x="0" y="0"/>
+          <a:ext cx="0" cy="0"/>
+          <a:chOff x="0" y="0"/>
+          <a:chExt cx="0" cy="0"/>
+        </a:xfrm>
+      </p:grpSpPr>
+      <p:sp>
+        <p:nvSpPr>
+          <p:cNvPr id="2" name="Slide Image Placeholder 1"/>
+          <p:cNvSpPr>
+            <a:spLocks noGrp="1" noRot="1" noChangeAspect="1"/>
+          </p:cNvSpPr>
+          <p:nvPr>
+            <p:ph type="sldImg"/>
+          </p:nvPr>
+        </p:nvSpPr>
+        <p:spPr/>
+      </p:sp>
+      <p:sp>
+        <p:nvSpPr>
+          <p:cNvPr id="3" name="Notes Placeholder 2"/>
+          <p:cNvSpPr>
+            <a:spLocks noGrp="1"/>
+          </p:cNvSpPr>
+          <p:nvPr>
+            <p:ph type="body" idx="1"/>
+          </p:nvPr>
+        </p:nvSpPr>
+        <p:spPr/>
+        <p:txBody>
+          <a:bodyPr/>
+          <a:lstStyle/>
+          <a:p>
+            <a:endParaRPr lang="en-US" dirty="0"/>
+          </a:p>
+        </p:txBody>
+      </p:sp>
+      <p:sp>
+        <p:nvSpPr>
+          <p:cNvPr id="4" name="Slide Number Placeholder 3"/>
+          <p:cNvSpPr>
+            <a:spLocks noGrp="1"/>
+          </p:cNvSpPr>
+          <p:nvPr>
+            <p:ph type="sldNum" sz="quarter" idx="10"/>
+          </p:nvPr>
+        </p:nvSpPr>
+        <p:spPr/>
+        <p:txBody>
+          <a:bodyPr/>
+          <a:lstStyle/>
+          <a:p>
+            <a:fld id="{4CBCEA92-F142-4D57-B507-37BDAF44710C}" type="slidenum">
+              <a:rPr lang="en-US" smtClean="0"/>
+              <a:t>11</a:t>
+            </a:fld>
+            <a:endParaRPr lang="en-US"/>
+          </a:p>
+        </p:txBody>
+      </p:sp>
+    </p:spTree>
+    <p:extLst>
+      <p:ext uri="{BB962C8B-B14F-4D97-AF65-F5344CB8AC3E}">
+        <p14:creationId xmlns:p14="http://schemas.microsoft.com/office/powerpoint/2010/main" val="127853208"/>
+      </p:ext>
+    </p:extLst>
+  </p:cSld>
+  <p:clrMapOvr>
+    <a:masterClrMapping/>
+  </p:clrMapOvr>
+</p:notes>
+</file>
+
+<file path=ppt/notesSlides/notesSlide11.xml><?xml version="1.0" encoding="utf-8"?>
+<p:notes xmlns:a="http://schemas.openxmlformats.org/drawingml/2006/main" xmlns:r="http://schemas.openxmlformats.org/officeDocument/2006/relationships" xmlns:p="http://schemas.openxmlformats.org/presentationml/2006/main">
+  <p:cSld>
+    <p:spTree>
+      <p:nvGrpSpPr>
+        <p:cNvPr id="1" name=""/>
+        <p:cNvGrpSpPr/>
+        <p:nvPr/>
+      </p:nvGrpSpPr>
+      <p:grpSpPr>
+        <a:xfrm>
+          <a:off x="0" y="0"/>
+          <a:ext cx="0" cy="0"/>
+          <a:chOff x="0" y="0"/>
+          <a:chExt cx="0" cy="0"/>
+        </a:xfrm>
+      </p:grpSpPr>
+      <p:sp>
+        <p:nvSpPr>
+          <p:cNvPr id="2" name="Slide Image Placeholder 1"/>
+          <p:cNvSpPr>
+            <a:spLocks noGrp="1" noRot="1" noChangeAspect="1"/>
+          </p:cNvSpPr>
+          <p:nvPr>
+            <p:ph type="sldImg"/>
+          </p:nvPr>
+        </p:nvSpPr>
+        <p:spPr/>
+      </p:sp>
+      <p:sp>
+        <p:nvSpPr>
+          <p:cNvPr id="3" name="Notes Placeholder 2"/>
+          <p:cNvSpPr>
+            <a:spLocks noGrp="1"/>
+          </p:cNvSpPr>
+          <p:nvPr>
+            <p:ph type="body" idx="1"/>
+          </p:nvPr>
+        </p:nvSpPr>
+        <p:spPr/>
+        <p:txBody>
+          <a:bodyPr/>
+          <a:lstStyle/>
+          <a:p>
+            <a:endParaRPr lang="en-US" dirty="0"/>
+          </a:p>
+        </p:txBody>
+      </p:sp>
+      <p:sp>
+        <p:nvSpPr>
+          <p:cNvPr id="4" name="Slide Number Placeholder 3"/>
+          <p:cNvSpPr>
+            <a:spLocks noGrp="1"/>
+          </p:cNvSpPr>
+          <p:nvPr>
+            <p:ph type="sldNum" sz="quarter" idx="10"/>
+          </p:nvPr>
+        </p:nvSpPr>
+        <p:spPr/>
+        <p:txBody>
+          <a:bodyPr/>
+          <a:lstStyle/>
+          <a:p>
+            <a:fld id="{4CBCEA92-F142-4D57-B507-37BDAF44710C}" type="slidenum">
+              <a:rPr lang="en-US" smtClean="0"/>
+              <a:t>12</a:t>
+            </a:fld>
+            <a:endParaRPr lang="en-US"/>
+          </a:p>
+        </p:txBody>
+      </p:sp>
+    </p:spTree>
+    <p:extLst>
+      <p:ext uri="{BB962C8B-B14F-4D97-AF65-F5344CB8AC3E}">
+        <p14:creationId xmlns:p14="http://schemas.microsoft.com/office/powerpoint/2010/main" val="2480845725"/>
+      </p:ext>
+    </p:extLst>
+  </p:cSld>
+  <p:clrMapOvr>
+    <a:masterClrMapping/>
+  </p:clrMapOvr>
+</p:notes>
+</file>
+
+<file path=ppt/notesSlides/notesSlide12.xml><?xml version="1.0" encoding="utf-8"?>
+<p:notes xmlns:a="http://schemas.openxmlformats.org/drawingml/2006/main" xmlns:r="http://schemas.openxmlformats.org/officeDocument/2006/relationships" xmlns:p="http://schemas.openxmlformats.org/presentationml/2006/main">
+  <p:cSld>
+    <p:spTree>
+      <p:nvGrpSpPr>
+        <p:cNvPr id="1" name=""/>
+        <p:cNvGrpSpPr/>
+        <p:nvPr/>
+      </p:nvGrpSpPr>
+      <p:grpSpPr>
+        <a:xfrm>
+          <a:off x="0" y="0"/>
+          <a:ext cx="0" cy="0"/>
+          <a:chOff x="0" y="0"/>
+          <a:chExt cx="0" cy="0"/>
+        </a:xfrm>
+      </p:grpSpPr>
+      <p:sp>
+        <p:nvSpPr>
+          <p:cNvPr id="2" name="Slide Image Placeholder 1"/>
+          <p:cNvSpPr>
+            <a:spLocks noGrp="1" noRot="1" noChangeAspect="1"/>
+          </p:cNvSpPr>
+          <p:nvPr>
+            <p:ph type="sldImg"/>
+          </p:nvPr>
+        </p:nvSpPr>
+        <p:spPr/>
+      </p:sp>
+      <p:sp>
+        <p:nvSpPr>
+          <p:cNvPr id="3" name="Notes Placeholder 2"/>
+          <p:cNvSpPr>
+            <a:spLocks noGrp="1"/>
+          </p:cNvSpPr>
+          <p:nvPr>
+            <p:ph type="body" idx="1"/>
+          </p:nvPr>
+        </p:nvSpPr>
+        <p:spPr/>
+        <p:txBody>
+          <a:bodyPr/>
+          <a:lstStyle/>
+          <a:p>
+            <a:r>
+              <a:rPr lang="en-US" dirty="0"/>
+              <a:t>This slide contains the </a:t>
+            </a:r>
+            <a:r>
+              <a:rPr lang="en-US" b="1" dirty="0"/>
+              <a:t>editable pieces </a:t>
+            </a:r>
+            <a:r>
+              <a:rPr lang="en-US" dirty="0"/>
+              <a:t>that were used to build infographic sample</a:t>
+            </a:r>
+          </a:p>
+          <a:p>
+            <a:r>
+              <a:rPr lang="en-US" dirty="0"/>
+              <a:t>Icons – Eye, PC</a:t>
+            </a:r>
+          </a:p>
+        </p:txBody>
+      </p:sp>
+      <p:sp>
+        <p:nvSpPr>
+          <p:cNvPr id="4" name="Slide Number Placeholder 3"/>
+          <p:cNvSpPr>
+            <a:spLocks noGrp="1"/>
+          </p:cNvSpPr>
+          <p:nvPr>
+            <p:ph type="sldNum" sz="quarter" idx="10"/>
+          </p:nvPr>
+        </p:nvSpPr>
+        <p:spPr/>
+        <p:txBody>
+          <a:bodyPr/>
+          <a:lstStyle/>
+          <a:p>
+            <a:fld id="{4CBCEA92-F142-4D57-B507-37BDAF44710C}" type="slidenum">
+              <a:rPr lang="en-US" smtClean="0"/>
+              <a:t>13</a:t>
+            </a:fld>
+            <a:endParaRPr lang="en-US"/>
+          </a:p>
+        </p:txBody>
+      </p:sp>
+    </p:spTree>
+    <p:extLst>
+      <p:ext uri="{BB962C8B-B14F-4D97-AF65-F5344CB8AC3E}">
+        <p14:creationId xmlns:p14="http://schemas.microsoft.com/office/powerpoint/2010/main" val="1119884341"/>
+      </p:ext>
+    </p:extLst>
+  </p:cSld>
+  <p:clrMapOvr>
+    <a:masterClrMapping/>
+  </p:clrMapOvr>
+</p:notes>
+</file>
+
 <file path=ppt/notesSlides/notesSlide2.xml><?xml version="1.0" encoding="utf-8"?>
 <p:notes xmlns:a="http://schemas.openxmlformats.org/drawingml/2006/main" xmlns:r="http://schemas.openxmlformats.org/officeDocument/2006/relationships" xmlns:p="http://schemas.openxmlformats.org/presentationml/2006/main">
   <p:cSld>
@@ -3001,6 +3276,258 @@
     <p:extLst>
       <p:ext uri="{BB962C8B-B14F-4D97-AF65-F5344CB8AC3E}">
         <p14:creationId xmlns:p14="http://schemas.microsoft.com/office/powerpoint/2010/main" val="2478320232"/>
+      </p:ext>
+    </p:extLst>
+  </p:cSld>
+  <p:clrMapOvr>
+    <a:masterClrMapping/>
+  </p:clrMapOvr>
+</p:notes>
+</file>
+
+<file path=ppt/notesSlides/notesSlide7.xml><?xml version="1.0" encoding="utf-8"?>
+<p:notes xmlns:a="http://schemas.openxmlformats.org/drawingml/2006/main" xmlns:r="http://schemas.openxmlformats.org/officeDocument/2006/relationships" xmlns:p="http://schemas.openxmlformats.org/presentationml/2006/main">
+  <p:cSld>
+    <p:spTree>
+      <p:nvGrpSpPr>
+        <p:cNvPr id="1" name=""/>
+        <p:cNvGrpSpPr/>
+        <p:nvPr/>
+      </p:nvGrpSpPr>
+      <p:grpSpPr>
+        <a:xfrm>
+          <a:off x="0" y="0"/>
+          <a:ext cx="0" cy="0"/>
+          <a:chOff x="0" y="0"/>
+          <a:chExt cx="0" cy="0"/>
+        </a:xfrm>
+      </p:grpSpPr>
+      <p:sp>
+        <p:nvSpPr>
+          <p:cNvPr id="2" name="Slide Image Placeholder 1"/>
+          <p:cNvSpPr>
+            <a:spLocks noGrp="1" noRot="1" noChangeAspect="1"/>
+          </p:cNvSpPr>
+          <p:nvPr>
+            <p:ph type="sldImg"/>
+          </p:nvPr>
+        </p:nvSpPr>
+        <p:spPr/>
+      </p:sp>
+      <p:sp>
+        <p:nvSpPr>
+          <p:cNvPr id="3" name="Notes Placeholder 2"/>
+          <p:cNvSpPr>
+            <a:spLocks noGrp="1"/>
+          </p:cNvSpPr>
+          <p:nvPr>
+            <p:ph type="body" idx="1"/>
+          </p:nvPr>
+        </p:nvSpPr>
+        <p:spPr/>
+        <p:txBody>
+          <a:bodyPr/>
+          <a:lstStyle/>
+          <a:p>
+            <a:endParaRPr lang="en-US" dirty="0"/>
+          </a:p>
+        </p:txBody>
+      </p:sp>
+      <p:sp>
+        <p:nvSpPr>
+          <p:cNvPr id="4" name="Slide Number Placeholder 3"/>
+          <p:cNvSpPr>
+            <a:spLocks noGrp="1"/>
+          </p:cNvSpPr>
+          <p:nvPr>
+            <p:ph type="sldNum" sz="quarter" idx="10"/>
+          </p:nvPr>
+        </p:nvSpPr>
+        <p:spPr/>
+        <p:txBody>
+          <a:bodyPr/>
+          <a:lstStyle/>
+          <a:p>
+            <a:fld id="{4CBCEA92-F142-4D57-B507-37BDAF44710C}" type="slidenum">
+              <a:rPr lang="en-US" smtClean="0"/>
+              <a:t>8</a:t>
+            </a:fld>
+            <a:endParaRPr lang="en-US"/>
+          </a:p>
+        </p:txBody>
+      </p:sp>
+    </p:spTree>
+    <p:extLst>
+      <p:ext uri="{BB962C8B-B14F-4D97-AF65-F5344CB8AC3E}">
+        <p14:creationId xmlns:p14="http://schemas.microsoft.com/office/powerpoint/2010/main" val="1697101785"/>
+      </p:ext>
+    </p:extLst>
+  </p:cSld>
+  <p:clrMapOvr>
+    <a:masterClrMapping/>
+  </p:clrMapOvr>
+</p:notes>
+</file>
+
+<file path=ppt/notesSlides/notesSlide8.xml><?xml version="1.0" encoding="utf-8"?>
+<p:notes xmlns:a="http://schemas.openxmlformats.org/drawingml/2006/main" xmlns:r="http://schemas.openxmlformats.org/officeDocument/2006/relationships" xmlns:p="http://schemas.openxmlformats.org/presentationml/2006/main">
+  <p:cSld>
+    <p:spTree>
+      <p:nvGrpSpPr>
+        <p:cNvPr id="1" name=""/>
+        <p:cNvGrpSpPr/>
+        <p:nvPr/>
+      </p:nvGrpSpPr>
+      <p:grpSpPr>
+        <a:xfrm>
+          <a:off x="0" y="0"/>
+          <a:ext cx="0" cy="0"/>
+          <a:chOff x="0" y="0"/>
+          <a:chExt cx="0" cy="0"/>
+        </a:xfrm>
+      </p:grpSpPr>
+      <p:sp>
+        <p:nvSpPr>
+          <p:cNvPr id="2" name="Slide Image Placeholder 1"/>
+          <p:cNvSpPr>
+            <a:spLocks noGrp="1" noRot="1" noChangeAspect="1"/>
+          </p:cNvSpPr>
+          <p:nvPr>
+            <p:ph type="sldImg"/>
+          </p:nvPr>
+        </p:nvSpPr>
+        <p:spPr/>
+      </p:sp>
+      <p:sp>
+        <p:nvSpPr>
+          <p:cNvPr id="3" name="Notes Placeholder 2"/>
+          <p:cNvSpPr>
+            <a:spLocks noGrp="1"/>
+          </p:cNvSpPr>
+          <p:nvPr>
+            <p:ph type="body" idx="1"/>
+          </p:nvPr>
+        </p:nvSpPr>
+        <p:spPr/>
+        <p:txBody>
+          <a:bodyPr/>
+          <a:lstStyle/>
+          <a:p>
+            <a:endParaRPr lang="en-US" dirty="0"/>
+          </a:p>
+        </p:txBody>
+      </p:sp>
+      <p:sp>
+        <p:nvSpPr>
+          <p:cNvPr id="4" name="Slide Number Placeholder 3"/>
+          <p:cNvSpPr>
+            <a:spLocks noGrp="1"/>
+          </p:cNvSpPr>
+          <p:nvPr>
+            <p:ph type="sldNum" sz="quarter" idx="10"/>
+          </p:nvPr>
+        </p:nvSpPr>
+        <p:spPr/>
+        <p:txBody>
+          <a:bodyPr/>
+          <a:lstStyle/>
+          <a:p>
+            <a:fld id="{4CBCEA92-F142-4D57-B507-37BDAF44710C}" type="slidenum">
+              <a:rPr lang="en-US" smtClean="0"/>
+              <a:t>9</a:t>
+            </a:fld>
+            <a:endParaRPr lang="en-US"/>
+          </a:p>
+        </p:txBody>
+      </p:sp>
+    </p:spTree>
+    <p:extLst>
+      <p:ext uri="{BB962C8B-B14F-4D97-AF65-F5344CB8AC3E}">
+        <p14:creationId xmlns:p14="http://schemas.microsoft.com/office/powerpoint/2010/main" val="4241659583"/>
+      </p:ext>
+    </p:extLst>
+  </p:cSld>
+  <p:clrMapOvr>
+    <a:masterClrMapping/>
+  </p:clrMapOvr>
+</p:notes>
+</file>
+
+<file path=ppt/notesSlides/notesSlide9.xml><?xml version="1.0" encoding="utf-8"?>
+<p:notes xmlns:a="http://schemas.openxmlformats.org/drawingml/2006/main" xmlns:r="http://schemas.openxmlformats.org/officeDocument/2006/relationships" xmlns:p="http://schemas.openxmlformats.org/presentationml/2006/main">
+  <p:cSld>
+    <p:spTree>
+      <p:nvGrpSpPr>
+        <p:cNvPr id="1" name=""/>
+        <p:cNvGrpSpPr/>
+        <p:nvPr/>
+      </p:nvGrpSpPr>
+      <p:grpSpPr>
+        <a:xfrm>
+          <a:off x="0" y="0"/>
+          <a:ext cx="0" cy="0"/>
+          <a:chOff x="0" y="0"/>
+          <a:chExt cx="0" cy="0"/>
+        </a:xfrm>
+      </p:grpSpPr>
+      <p:sp>
+        <p:nvSpPr>
+          <p:cNvPr id="2" name="Slide Image Placeholder 1"/>
+          <p:cNvSpPr>
+            <a:spLocks noGrp="1" noRot="1" noChangeAspect="1"/>
+          </p:cNvSpPr>
+          <p:nvPr>
+            <p:ph type="sldImg"/>
+          </p:nvPr>
+        </p:nvSpPr>
+        <p:spPr/>
+      </p:sp>
+      <p:sp>
+        <p:nvSpPr>
+          <p:cNvPr id="3" name="Notes Placeholder 2"/>
+          <p:cNvSpPr>
+            <a:spLocks noGrp="1"/>
+          </p:cNvSpPr>
+          <p:nvPr>
+            <p:ph type="body" idx="1"/>
+          </p:nvPr>
+        </p:nvSpPr>
+        <p:spPr/>
+        <p:txBody>
+          <a:bodyPr/>
+          <a:lstStyle/>
+          <a:p>
+            <a:endParaRPr lang="en-US" dirty="0"/>
+          </a:p>
+        </p:txBody>
+      </p:sp>
+      <p:sp>
+        <p:nvSpPr>
+          <p:cNvPr id="4" name="Slide Number Placeholder 3"/>
+          <p:cNvSpPr>
+            <a:spLocks noGrp="1"/>
+          </p:cNvSpPr>
+          <p:nvPr>
+            <p:ph type="sldNum" sz="quarter" idx="10"/>
+          </p:nvPr>
+        </p:nvSpPr>
+        <p:spPr/>
+        <p:txBody>
+          <a:bodyPr/>
+          <a:lstStyle/>
+          <a:p>
+            <a:fld id="{4CBCEA92-F142-4D57-B507-37BDAF44710C}" type="slidenum">
+              <a:rPr lang="en-US" smtClean="0"/>
+              <a:t>10</a:t>
+            </a:fld>
+            <a:endParaRPr lang="en-US"/>
+          </a:p>
+        </p:txBody>
+      </p:sp>
+    </p:spTree>
+    <p:extLst>
+      <p:ext uri="{BB962C8B-B14F-4D97-AF65-F5344CB8AC3E}">
+        <p14:creationId xmlns:p14="http://schemas.microsoft.com/office/powerpoint/2010/main" val="418092092"/>
       </p:ext>
     </p:extLst>
   </p:cSld>
@@ -5391,6 +5918,3289 @@
 </p:sld>
 </file>
 
+<file path=ppt/slides/slide10.xml><?xml version="1.0" encoding="utf-8"?>
+<p:sld xmlns:a="http://schemas.openxmlformats.org/drawingml/2006/main" xmlns:r="http://schemas.openxmlformats.org/officeDocument/2006/relationships" xmlns:p="http://schemas.openxmlformats.org/presentationml/2006/main">
+  <p:cSld>
+    <p:spTree>
+      <p:nvGrpSpPr>
+        <p:cNvPr id="1" name=""/>
+        <p:cNvGrpSpPr/>
+        <p:nvPr/>
+      </p:nvGrpSpPr>
+      <p:grpSpPr>
+        <a:xfrm>
+          <a:off x="0" y="0"/>
+          <a:ext cx="0" cy="0"/>
+          <a:chOff x="0" y="0"/>
+          <a:chExt cx="0" cy="0"/>
+        </a:xfrm>
+      </p:grpSpPr>
+      <p:sp>
+        <p:nvSpPr>
+          <p:cNvPr id="6" name="Title 5"/>
+          <p:cNvSpPr>
+            <a:spLocks noGrp="1"/>
+          </p:cNvSpPr>
+          <p:nvPr>
+            <p:ph type="title"/>
+          </p:nvPr>
+        </p:nvSpPr>
+        <p:spPr>
+          <a:xfrm>
+            <a:off x="0" y="0"/>
+            <a:ext cx="12192000" cy="1050758"/>
+          </a:xfrm>
+        </p:spPr>
+        <p:txBody>
+          <a:bodyPr/>
+          <a:lstStyle/>
+          <a:p>
+            <a:r>
+              <a:rPr lang="en-US" dirty="0"/>
+              <a:t>Modeling</a:t>
+            </a:r>
+          </a:p>
+        </p:txBody>
+      </p:sp>
+      <p:graphicFrame>
+        <p:nvGraphicFramePr>
+          <p:cNvPr id="20" name="Table 19"/>
+          <p:cNvGraphicFramePr>
+            <a:graphicFrameLocks noGrp="1"/>
+          </p:cNvGraphicFramePr>
+          <p:nvPr>
+            <p:extLst>
+              <p:ext uri="{D42A27DB-BD31-4B8C-83A1-F6EECF244321}">
+                <p14:modId xmlns:p14="http://schemas.microsoft.com/office/powerpoint/2010/main" val="1823960240"/>
+              </p:ext>
+            </p:extLst>
+          </p:nvPr>
+        </p:nvGraphicFramePr>
+        <p:xfrm>
+          <a:off x="341745" y="865974"/>
+          <a:ext cx="11342253" cy="5350099"/>
+        </p:xfrm>
+        <a:graphic>
+          <a:graphicData uri="http://schemas.openxmlformats.org/drawingml/2006/table">
+            <a:tbl>
+              <a:tblPr firstRow="1">
+                <a:tableStyleId>{5C22544A-7EE6-4342-B048-85BDC9FD1C3A}</a:tableStyleId>
+              </a:tblPr>
+              <a:tblGrid>
+                <a:gridCol w="11342253">
+                  <a:extLst>
+                    <a:ext uri="{9D8B030D-6E8A-4147-A177-3AD203B41FA5}">
+                      <a16:colId xmlns:a16="http://schemas.microsoft.com/office/drawing/2014/main" val="493813631"/>
+                    </a:ext>
+                  </a:extLst>
+                </a:gridCol>
+              </a:tblGrid>
+              <a:tr h="418753">
+                <a:tc>
+                  <a:txBody>
+                    <a:bodyPr/>
+                    <a:lstStyle/>
+                    <a:p>
+                      <a:pPr algn="l"/>
+                      <a:r>
+                        <a:rPr lang="en-US" sz="1600" dirty="0">
+                          <a:solidFill>
+                            <a:schemeClr val="bg1"/>
+                          </a:solidFill>
+                        </a:rPr>
+                        <a:t>The results</a:t>
+                      </a:r>
+                      <a:endParaRPr lang="en-US" sz="1100" dirty="0">
+                        <a:solidFill>
+                          <a:schemeClr val="bg1"/>
+                        </a:solidFill>
+                      </a:endParaRPr>
+                    </a:p>
+                  </a:txBody>
+                  <a:tcPr>
+                    <a:lnL w="12700" cmpd="sng">
+                      <a:noFill/>
+                    </a:lnL>
+                    <a:lnR w="12700" cmpd="sng">
+                      <a:noFill/>
+                    </a:lnR>
+                    <a:lnT w="12700" cmpd="sng">
+                      <a:noFill/>
+                    </a:lnT>
+                    <a:lnB w="12700" cmpd="sng">
+                      <a:noFill/>
+                    </a:lnB>
+                    <a:lnTlToBr w="12700" cmpd="sng">
+                      <a:noFill/>
+                      <a:prstDash val="solid"/>
+                    </a:lnTlToBr>
+                    <a:lnBlToTr w="12700" cmpd="sng">
+                      <a:noFill/>
+                      <a:prstDash val="solid"/>
+                    </a:lnBlToTr>
+                    <a:solidFill>
+                      <a:schemeClr val="accent2"/>
+                    </a:solidFill>
+                  </a:tcPr>
+                </a:tc>
+                <a:extLst>
+                  <a:ext uri="{0D108BD9-81ED-4DB2-BD59-A6C34878D82A}">
+                    <a16:rowId xmlns:a16="http://schemas.microsoft.com/office/drawing/2014/main" val="2570369641"/>
+                  </a:ext>
+                </a:extLst>
+              </a:tr>
+              <a:tr h="4931346">
+                <a:tc>
+                  <a:txBody>
+                    <a:bodyPr/>
+                    <a:lstStyle/>
+                    <a:p>
+                      <a:pPr algn="l"/>
+                      <a:endParaRPr lang="en-US" sz="2400" b="0" i="0" dirty="0">
+                        <a:solidFill>
+                          <a:srgbClr val="000000"/>
+                        </a:solidFill>
+                        <a:effectLst/>
+                        <a:latin typeface="Helvetica Neue"/>
+                      </a:endParaRPr>
+                    </a:p>
+                  </a:txBody>
+                  <a:tcPr anchor="ctr">
+                    <a:lnL w="12700" cmpd="sng">
+                      <a:noFill/>
+                    </a:lnL>
+                    <a:lnR w="12700" cmpd="sng">
+                      <a:noFill/>
+                    </a:lnR>
+                    <a:lnT w="12700" cmpd="sng">
+                      <a:noFill/>
+                    </a:lnT>
+                    <a:lnB w="3175" cap="flat" cmpd="sng" algn="ctr">
+                      <a:solidFill>
+                        <a:schemeClr val="accent2"/>
+                      </a:solidFill>
+                      <a:prstDash val="solid"/>
+                      <a:round/>
+                      <a:headEnd type="none" w="med" len="med"/>
+                      <a:tailEnd type="none" w="med" len="med"/>
+                    </a:lnB>
+                    <a:lnTlToBr w="12700" cmpd="sng">
+                      <a:noFill/>
+                      <a:prstDash val="solid"/>
+                    </a:lnTlToBr>
+                    <a:lnBlToTr w="12700" cmpd="sng">
+                      <a:noFill/>
+                      <a:prstDash val="solid"/>
+                    </a:lnBlToTr>
+                    <a:solidFill>
+                      <a:schemeClr val="bg1"/>
+                    </a:solidFill>
+                  </a:tcPr>
+                </a:tc>
+                <a:extLst>
+                  <a:ext uri="{0D108BD9-81ED-4DB2-BD59-A6C34878D82A}">
+                    <a16:rowId xmlns:a16="http://schemas.microsoft.com/office/drawing/2014/main" val="3241782274"/>
+                  </a:ext>
+                </a:extLst>
+              </a:tr>
+            </a:tbl>
+          </a:graphicData>
+        </a:graphic>
+      </p:graphicFrame>
+      <p:sp>
+        <p:nvSpPr>
+          <p:cNvPr id="5" name="Slide Number Placeholder 4"/>
+          <p:cNvSpPr>
+            <a:spLocks noGrp="1"/>
+          </p:cNvSpPr>
+          <p:nvPr>
+            <p:ph type="sldNum" sz="quarter" idx="4294967295"/>
+          </p:nvPr>
+        </p:nvSpPr>
+        <p:spPr>
+          <a:xfrm>
+            <a:off x="9448800" y="6316663"/>
+            <a:ext cx="2743200" cy="365125"/>
+          </a:xfrm>
+        </p:spPr>
+        <p:txBody>
+          <a:bodyPr/>
+          <a:lstStyle/>
+          <a:p>
+            <a:fld id="{5AE1514C-5E56-4738-A1FF-4B1CFD2A3E36}" type="slidenum">
+              <a:rPr lang="en-US" smtClean="0"/>
+              <a:t>10</a:t>
+            </a:fld>
+            <a:endParaRPr lang="en-US"/>
+          </a:p>
+        </p:txBody>
+      </p:sp>
+      <p:graphicFrame>
+        <p:nvGraphicFramePr>
+          <p:cNvPr id="2" name="Table 2">
+            <a:extLst>
+              <a:ext uri="{FF2B5EF4-FFF2-40B4-BE49-F238E27FC236}">
+                <a16:creationId xmlns:a16="http://schemas.microsoft.com/office/drawing/2014/main" id="{61241D43-8C00-4D08-9293-B6E75391B7FD}"/>
+              </a:ext>
+            </a:extLst>
+          </p:cNvPr>
+          <p:cNvGraphicFramePr>
+            <a:graphicFrameLocks noGrp="1"/>
+          </p:cNvGraphicFramePr>
+          <p:nvPr>
+            <p:extLst>
+              <p:ext uri="{D42A27DB-BD31-4B8C-83A1-F6EECF244321}">
+                <p14:modId xmlns:p14="http://schemas.microsoft.com/office/powerpoint/2010/main" val="3491856526"/>
+              </p:ext>
+            </p:extLst>
+          </p:nvPr>
+        </p:nvGraphicFramePr>
+        <p:xfrm>
+          <a:off x="1436814" y="1395153"/>
+          <a:ext cx="9318371" cy="4820920"/>
+        </p:xfrm>
+        <a:graphic>
+          <a:graphicData uri="http://schemas.openxmlformats.org/drawingml/2006/table">
+            <a:tbl>
+              <a:tblPr firstRow="1" bandRow="1">
+                <a:tableStyleId>{5C22544A-7EE6-4342-B048-85BDC9FD1C3A}</a:tableStyleId>
+              </a:tblPr>
+              <a:tblGrid>
+                <a:gridCol w="3078480">
+                  <a:extLst>
+                    <a:ext uri="{9D8B030D-6E8A-4147-A177-3AD203B41FA5}">
+                      <a16:colId xmlns:a16="http://schemas.microsoft.com/office/drawing/2014/main" val="1046110419"/>
+                    </a:ext>
+                  </a:extLst>
+                </a:gridCol>
+                <a:gridCol w="2175891">
+                  <a:extLst>
+                    <a:ext uri="{9D8B030D-6E8A-4147-A177-3AD203B41FA5}">
+                      <a16:colId xmlns:a16="http://schemas.microsoft.com/office/drawing/2014/main" val="1198326960"/>
+                    </a:ext>
+                  </a:extLst>
+                </a:gridCol>
+                <a:gridCol w="2032000">
+                  <a:extLst>
+                    <a:ext uri="{9D8B030D-6E8A-4147-A177-3AD203B41FA5}">
+                      <a16:colId xmlns:a16="http://schemas.microsoft.com/office/drawing/2014/main" val="2632267574"/>
+                    </a:ext>
+                  </a:extLst>
+                </a:gridCol>
+                <a:gridCol w="2032000">
+                  <a:extLst>
+                    <a:ext uri="{9D8B030D-6E8A-4147-A177-3AD203B41FA5}">
+                      <a16:colId xmlns:a16="http://schemas.microsoft.com/office/drawing/2014/main" val="3727244120"/>
+                    </a:ext>
+                  </a:extLst>
+                </a:gridCol>
+              </a:tblGrid>
+              <a:tr h="370840">
+                <a:tc>
+                  <a:txBody>
+                    <a:bodyPr/>
+                    <a:lstStyle/>
+                    <a:p>
+                      <a:r>
+                        <a:rPr lang="en-US" dirty="0"/>
+                        <a:t>Model</a:t>
+                      </a:r>
+                    </a:p>
+                  </a:txBody>
+                  <a:tcPr/>
+                </a:tc>
+                <a:tc>
+                  <a:txBody>
+                    <a:bodyPr/>
+                    <a:lstStyle/>
+                    <a:p>
+                      <a:r>
+                        <a:rPr lang="en-US" dirty="0"/>
+                        <a:t>F1-score (0 and 1)</a:t>
+                      </a:r>
+                    </a:p>
+                  </a:txBody>
+                  <a:tcPr/>
+                </a:tc>
+                <a:tc>
+                  <a:txBody>
+                    <a:bodyPr/>
+                    <a:lstStyle/>
+                    <a:p>
+                      <a:r>
+                        <a:rPr lang="en-US" dirty="0"/>
+                        <a:t>Accuracy</a:t>
+                      </a:r>
+                    </a:p>
+                  </a:txBody>
+                  <a:tcPr/>
+                </a:tc>
+                <a:tc>
+                  <a:txBody>
+                    <a:bodyPr/>
+                    <a:lstStyle/>
+                    <a:p>
+                      <a:r>
+                        <a:rPr lang="en-US" dirty="0"/>
+                        <a:t>MSE</a:t>
+                      </a:r>
+                    </a:p>
+                  </a:txBody>
+                  <a:tcPr/>
+                </a:tc>
+                <a:extLst>
+                  <a:ext uri="{0D108BD9-81ED-4DB2-BD59-A6C34878D82A}">
+                    <a16:rowId xmlns:a16="http://schemas.microsoft.com/office/drawing/2014/main" val="1639143099"/>
+                  </a:ext>
+                </a:extLst>
+              </a:tr>
+              <a:tr h="370840">
+                <a:tc rowSpan="2">
+                  <a:txBody>
+                    <a:bodyPr/>
+                    <a:lstStyle/>
+                    <a:p>
+                      <a:pPr marL="0" marR="0" lvl="0" indent="0" algn="ctr" defTabSz="914400" rtl="0" eaLnBrk="1" fontAlgn="auto" latinLnBrk="0" hangingPunct="1">
+                        <a:lnSpc>
+                          <a:spcPct val="100000"/>
+                        </a:lnSpc>
+                        <a:spcBef>
+                          <a:spcPts val="0"/>
+                        </a:spcBef>
+                        <a:spcAft>
+                          <a:spcPts val="0"/>
+                        </a:spcAft>
+                        <a:buClrTx/>
+                        <a:buSzTx/>
+                        <a:buFontTx/>
+                        <a:buNone/>
+                        <a:tabLst/>
+                        <a:defRPr/>
+                      </a:pPr>
+                      <a:r>
+                        <a:rPr lang="en-US" sz="1800" b="0" i="0" dirty="0">
+                          <a:solidFill>
+                            <a:srgbClr val="000000"/>
+                          </a:solidFill>
+                          <a:effectLst/>
+                          <a:latin typeface="Helvetica Neue"/>
+                        </a:rPr>
+                        <a:t>logistic regression</a:t>
+                      </a:r>
+                    </a:p>
+                    <a:p>
+                      <a:pPr algn="ctr"/>
+                      <a:endParaRPr lang="en-US" dirty="0"/>
+                    </a:p>
+                  </a:txBody>
+                  <a:tcPr anchor="ctr"/>
+                </a:tc>
+                <a:tc>
+                  <a:txBody>
+                    <a:bodyPr/>
+                    <a:lstStyle/>
+                    <a:p>
+                      <a:pPr algn="ctr"/>
+                      <a:r>
+                        <a:rPr lang="en-US" dirty="0"/>
+                        <a:t>0.81</a:t>
+                      </a:r>
+                    </a:p>
+                  </a:txBody>
+                  <a:tcPr anchor="ctr"/>
+                </a:tc>
+                <a:tc rowSpan="2">
+                  <a:txBody>
+                    <a:bodyPr/>
+                    <a:lstStyle/>
+                    <a:p>
+                      <a:pPr algn="ctr"/>
+                      <a:r>
+                        <a:rPr lang="en-US" dirty="0"/>
+                        <a:t>0.81</a:t>
+                      </a:r>
+                    </a:p>
+                  </a:txBody>
+                  <a:tcPr anchor="ctr"/>
+                </a:tc>
+                <a:tc rowSpan="2">
+                  <a:txBody>
+                    <a:bodyPr/>
+                    <a:lstStyle/>
+                    <a:p>
+                      <a:pPr algn="ctr"/>
+                      <a:r>
+                        <a:rPr lang="en-US" dirty="0"/>
+                        <a:t>0.183</a:t>
+                      </a:r>
+                    </a:p>
+                  </a:txBody>
+                  <a:tcPr anchor="ctr"/>
+                </a:tc>
+                <a:extLst>
+                  <a:ext uri="{0D108BD9-81ED-4DB2-BD59-A6C34878D82A}">
+                    <a16:rowId xmlns:a16="http://schemas.microsoft.com/office/drawing/2014/main" val="2947046100"/>
+                  </a:ext>
+                </a:extLst>
+              </a:tr>
+              <a:tr h="370840">
+                <a:tc vMerge="1">
+                  <a:txBody>
+                    <a:bodyPr/>
+                    <a:lstStyle/>
+                    <a:p>
+                      <a:endParaRPr lang="en-US" dirty="0"/>
+                    </a:p>
+                  </a:txBody>
+                  <a:tcPr/>
+                </a:tc>
+                <a:tc>
+                  <a:txBody>
+                    <a:bodyPr/>
+                    <a:lstStyle/>
+                    <a:p>
+                      <a:pPr algn="ctr"/>
+                      <a:r>
+                        <a:rPr lang="en-US" dirty="0"/>
+                        <a:t>0.82</a:t>
+                      </a:r>
+                    </a:p>
+                  </a:txBody>
+                  <a:tcPr anchor="ctr"/>
+                </a:tc>
+                <a:tc vMerge="1">
+                  <a:txBody>
+                    <a:bodyPr/>
+                    <a:lstStyle/>
+                    <a:p>
+                      <a:endParaRPr lang="en-US" dirty="0"/>
+                    </a:p>
+                  </a:txBody>
+                  <a:tcPr/>
+                </a:tc>
+                <a:tc vMerge="1">
+                  <a:txBody>
+                    <a:bodyPr/>
+                    <a:lstStyle/>
+                    <a:p>
+                      <a:endParaRPr lang="en-US" dirty="0"/>
+                    </a:p>
+                  </a:txBody>
+                  <a:tcPr/>
+                </a:tc>
+                <a:extLst>
+                  <a:ext uri="{0D108BD9-81ED-4DB2-BD59-A6C34878D82A}">
+                    <a16:rowId xmlns:a16="http://schemas.microsoft.com/office/drawing/2014/main" val="1601627425"/>
+                  </a:ext>
+                </a:extLst>
+              </a:tr>
+              <a:tr h="370840">
+                <a:tc rowSpan="2">
+                  <a:txBody>
+                    <a:bodyPr/>
+                    <a:lstStyle/>
+                    <a:p>
+                      <a:pPr algn="ctr"/>
+                      <a:r>
+                        <a:rPr lang="en-US" sz="1800" b="0" i="0" dirty="0">
+                          <a:solidFill>
+                            <a:srgbClr val="000000"/>
+                          </a:solidFill>
+                          <a:effectLst/>
+                          <a:latin typeface="Helvetica Neue"/>
+                        </a:rPr>
+                        <a:t>Ada Boost Classifier </a:t>
+                      </a:r>
+                      <a:endParaRPr lang="en-US" dirty="0"/>
+                    </a:p>
+                  </a:txBody>
+                  <a:tcPr anchor="ctr"/>
+                </a:tc>
+                <a:tc>
+                  <a:txBody>
+                    <a:bodyPr/>
+                    <a:lstStyle/>
+                    <a:p>
+                      <a:pPr algn="ctr"/>
+                      <a:r>
+                        <a:rPr lang="en-US" dirty="0"/>
+                        <a:t>0.82</a:t>
+                      </a:r>
+                    </a:p>
+                  </a:txBody>
+                  <a:tcPr anchor="ctr"/>
+                </a:tc>
+                <a:tc rowSpan="2">
+                  <a:txBody>
+                    <a:bodyPr/>
+                    <a:lstStyle/>
+                    <a:p>
+                      <a:pPr algn="ctr"/>
+                      <a:r>
+                        <a:rPr lang="en-US" dirty="0"/>
+                        <a:t>0.83</a:t>
+                      </a:r>
+                    </a:p>
+                  </a:txBody>
+                  <a:tcPr anchor="ctr"/>
+                </a:tc>
+                <a:tc rowSpan="2">
+                  <a:txBody>
+                    <a:bodyPr/>
+                    <a:lstStyle/>
+                    <a:p>
+                      <a:pPr algn="ctr"/>
+                      <a:r>
+                        <a:rPr lang="en-US" dirty="0"/>
+                        <a:t>0.170</a:t>
+                      </a:r>
+                    </a:p>
+                  </a:txBody>
+                  <a:tcPr anchor="ctr"/>
+                </a:tc>
+                <a:extLst>
+                  <a:ext uri="{0D108BD9-81ED-4DB2-BD59-A6C34878D82A}">
+                    <a16:rowId xmlns:a16="http://schemas.microsoft.com/office/drawing/2014/main" val="960613960"/>
+                  </a:ext>
+                </a:extLst>
+              </a:tr>
+              <a:tr h="370840">
+                <a:tc vMerge="1">
+                  <a:txBody>
+                    <a:bodyPr/>
+                    <a:lstStyle/>
+                    <a:p>
+                      <a:endParaRPr lang="en-US" dirty="0"/>
+                    </a:p>
+                  </a:txBody>
+                  <a:tcPr/>
+                </a:tc>
+                <a:tc>
+                  <a:txBody>
+                    <a:bodyPr/>
+                    <a:lstStyle/>
+                    <a:p>
+                      <a:pPr algn="ctr"/>
+                      <a:r>
+                        <a:rPr lang="en-US" dirty="0"/>
+                        <a:t>0.83</a:t>
+                      </a:r>
+                    </a:p>
+                  </a:txBody>
+                  <a:tcPr anchor="ctr"/>
+                </a:tc>
+                <a:tc vMerge="1">
+                  <a:txBody>
+                    <a:bodyPr/>
+                    <a:lstStyle/>
+                    <a:p>
+                      <a:endParaRPr lang="en-US" dirty="0"/>
+                    </a:p>
+                  </a:txBody>
+                  <a:tcPr/>
+                </a:tc>
+                <a:tc vMerge="1">
+                  <a:txBody>
+                    <a:bodyPr/>
+                    <a:lstStyle/>
+                    <a:p>
+                      <a:endParaRPr lang="en-US" dirty="0"/>
+                    </a:p>
+                  </a:txBody>
+                  <a:tcPr/>
+                </a:tc>
+                <a:extLst>
+                  <a:ext uri="{0D108BD9-81ED-4DB2-BD59-A6C34878D82A}">
+                    <a16:rowId xmlns:a16="http://schemas.microsoft.com/office/drawing/2014/main" val="3941340926"/>
+                  </a:ext>
+                </a:extLst>
+              </a:tr>
+              <a:tr h="370840">
+                <a:tc rowSpan="2">
+                  <a:txBody>
+                    <a:bodyPr/>
+                    <a:lstStyle/>
+                    <a:p>
+                      <a:pPr algn="ctr"/>
+                      <a:r>
+                        <a:rPr lang="en-US" sz="1800" b="0" i="0" dirty="0">
+                          <a:solidFill>
+                            <a:srgbClr val="000000"/>
+                          </a:solidFill>
+                          <a:effectLst/>
+                          <a:latin typeface="Helvetica Neue"/>
+                        </a:rPr>
+                        <a:t>Gaussian NB </a:t>
+                      </a:r>
+                      <a:endParaRPr lang="en-US" dirty="0"/>
+                    </a:p>
+                  </a:txBody>
+                  <a:tcPr anchor="ctr">
+                    <a:solidFill>
+                      <a:schemeClr val="bg1">
+                        <a:lumMod val="75000"/>
+                      </a:schemeClr>
+                    </a:solidFill>
+                  </a:tcPr>
+                </a:tc>
+                <a:tc>
+                  <a:txBody>
+                    <a:bodyPr/>
+                    <a:lstStyle/>
+                    <a:p>
+                      <a:pPr algn="ctr"/>
+                      <a:r>
+                        <a:rPr lang="en-US" dirty="0"/>
+                        <a:t>0.65</a:t>
+                      </a:r>
+                    </a:p>
+                  </a:txBody>
+                  <a:tcPr anchor="ctr">
+                    <a:solidFill>
+                      <a:schemeClr val="bg1">
+                        <a:lumMod val="75000"/>
+                      </a:schemeClr>
+                    </a:solidFill>
+                  </a:tcPr>
+                </a:tc>
+                <a:tc rowSpan="2">
+                  <a:txBody>
+                    <a:bodyPr/>
+                    <a:lstStyle/>
+                    <a:p>
+                      <a:pPr algn="ctr"/>
+                      <a:r>
+                        <a:rPr lang="en-US" dirty="0"/>
+                        <a:t>0.72</a:t>
+                      </a:r>
+                    </a:p>
+                  </a:txBody>
+                  <a:tcPr anchor="ctr">
+                    <a:solidFill>
+                      <a:schemeClr val="bg1">
+                        <a:lumMod val="75000"/>
+                      </a:schemeClr>
+                    </a:solidFill>
+                  </a:tcPr>
+                </a:tc>
+                <a:tc rowSpan="2">
+                  <a:txBody>
+                    <a:bodyPr/>
+                    <a:lstStyle/>
+                    <a:p>
+                      <a:pPr algn="ctr"/>
+                      <a:r>
+                        <a:rPr lang="en-US" dirty="0"/>
+                        <a:t>0.276</a:t>
+                      </a:r>
+                    </a:p>
+                  </a:txBody>
+                  <a:tcPr anchor="ctr">
+                    <a:solidFill>
+                      <a:schemeClr val="bg1">
+                        <a:lumMod val="75000"/>
+                      </a:schemeClr>
+                    </a:solidFill>
+                  </a:tcPr>
+                </a:tc>
+                <a:extLst>
+                  <a:ext uri="{0D108BD9-81ED-4DB2-BD59-A6C34878D82A}">
+                    <a16:rowId xmlns:a16="http://schemas.microsoft.com/office/drawing/2014/main" val="1740632205"/>
+                  </a:ext>
+                </a:extLst>
+              </a:tr>
+              <a:tr h="370840">
+                <a:tc vMerge="1">
+                  <a:txBody>
+                    <a:bodyPr/>
+                    <a:lstStyle/>
+                    <a:p>
+                      <a:endParaRPr lang="en-US" dirty="0"/>
+                    </a:p>
+                  </a:txBody>
+                  <a:tcPr/>
+                </a:tc>
+                <a:tc>
+                  <a:txBody>
+                    <a:bodyPr/>
+                    <a:lstStyle/>
+                    <a:p>
+                      <a:pPr algn="ctr"/>
+                      <a:r>
+                        <a:rPr lang="en-US" dirty="0"/>
+                        <a:t>0.77</a:t>
+                      </a:r>
+                    </a:p>
+                  </a:txBody>
+                  <a:tcPr anchor="ctr">
+                    <a:solidFill>
+                      <a:schemeClr val="bg1">
+                        <a:lumMod val="75000"/>
+                      </a:schemeClr>
+                    </a:solidFill>
+                  </a:tcPr>
+                </a:tc>
+                <a:tc vMerge="1">
+                  <a:txBody>
+                    <a:bodyPr/>
+                    <a:lstStyle/>
+                    <a:p>
+                      <a:endParaRPr lang="en-US" dirty="0"/>
+                    </a:p>
+                  </a:txBody>
+                  <a:tcPr/>
+                </a:tc>
+                <a:tc vMerge="1">
+                  <a:txBody>
+                    <a:bodyPr/>
+                    <a:lstStyle/>
+                    <a:p>
+                      <a:endParaRPr lang="en-US" dirty="0"/>
+                    </a:p>
+                  </a:txBody>
+                  <a:tcPr/>
+                </a:tc>
+                <a:extLst>
+                  <a:ext uri="{0D108BD9-81ED-4DB2-BD59-A6C34878D82A}">
+                    <a16:rowId xmlns:a16="http://schemas.microsoft.com/office/drawing/2014/main" val="79828529"/>
+                  </a:ext>
+                </a:extLst>
+              </a:tr>
+              <a:tr h="370840">
+                <a:tc rowSpan="2">
+                  <a:txBody>
+                    <a:bodyPr/>
+                    <a:lstStyle/>
+                    <a:p>
+                      <a:pPr marL="0" marR="0" lvl="0" indent="0" algn="ctr" defTabSz="914400" rtl="0" eaLnBrk="1" fontAlgn="auto" latinLnBrk="0" hangingPunct="1">
+                        <a:lnSpc>
+                          <a:spcPct val="100000"/>
+                        </a:lnSpc>
+                        <a:spcBef>
+                          <a:spcPts val="0"/>
+                        </a:spcBef>
+                        <a:spcAft>
+                          <a:spcPts val="0"/>
+                        </a:spcAft>
+                        <a:buClrTx/>
+                        <a:buSzTx/>
+                        <a:buFontTx/>
+                        <a:buNone/>
+                        <a:tabLst/>
+                        <a:defRPr/>
+                      </a:pPr>
+                      <a:r>
+                        <a:rPr lang="en-US" sz="1800" b="0" i="0" dirty="0">
+                          <a:solidFill>
+                            <a:srgbClr val="000000"/>
+                          </a:solidFill>
+                          <a:effectLst/>
+                          <a:latin typeface="Helvetica Neue"/>
+                        </a:rPr>
+                        <a:t>Decision Tree Classifier</a:t>
+                      </a:r>
+                    </a:p>
+                  </a:txBody>
+                  <a:tcPr anchor="ctr">
+                    <a:lnB w="12700" cmpd="sng">
+                      <a:noFill/>
+                    </a:lnB>
+                  </a:tcPr>
+                </a:tc>
+                <a:tc>
+                  <a:txBody>
+                    <a:bodyPr/>
+                    <a:lstStyle/>
+                    <a:p>
+                      <a:pPr algn="ctr"/>
+                      <a:r>
+                        <a:rPr lang="en-US" dirty="0"/>
+                        <a:t>0.89</a:t>
+                      </a:r>
+                    </a:p>
+                  </a:txBody>
+                  <a:tcPr anchor="ctr"/>
+                </a:tc>
+                <a:tc rowSpan="2">
+                  <a:txBody>
+                    <a:bodyPr/>
+                    <a:lstStyle/>
+                    <a:p>
+                      <a:pPr algn="ctr"/>
+                      <a:r>
+                        <a:rPr lang="en-US" dirty="0"/>
+                        <a:t>0.90</a:t>
+                      </a:r>
+                    </a:p>
+                  </a:txBody>
+                  <a:tcPr anchor="ctr">
+                    <a:lnB w="12700" cmpd="sng">
+                      <a:noFill/>
+                    </a:lnB>
+                  </a:tcPr>
+                </a:tc>
+                <a:tc rowSpan="2">
+                  <a:txBody>
+                    <a:bodyPr/>
+                    <a:lstStyle/>
+                    <a:p>
+                      <a:pPr algn="ctr"/>
+                      <a:r>
+                        <a:rPr lang="en-US" dirty="0"/>
+                        <a:t>0.128</a:t>
+                      </a:r>
+                    </a:p>
+                  </a:txBody>
+                  <a:tcPr anchor="ctr">
+                    <a:lnB w="12700" cmpd="sng">
+                      <a:noFill/>
+                    </a:lnB>
+                  </a:tcPr>
+                </a:tc>
+                <a:extLst>
+                  <a:ext uri="{0D108BD9-81ED-4DB2-BD59-A6C34878D82A}">
+                    <a16:rowId xmlns:a16="http://schemas.microsoft.com/office/drawing/2014/main" val="1893866126"/>
+                  </a:ext>
+                </a:extLst>
+              </a:tr>
+              <a:tr h="370840">
+                <a:tc vMerge="1">
+                  <a:txBody>
+                    <a:bodyPr/>
+                    <a:lstStyle/>
+                    <a:p>
+                      <a:endParaRPr lang="en-US" dirty="0"/>
+                    </a:p>
+                  </a:txBody>
+                  <a:tcPr/>
+                </a:tc>
+                <a:tc>
+                  <a:txBody>
+                    <a:bodyPr/>
+                    <a:lstStyle/>
+                    <a:p>
+                      <a:pPr algn="ctr"/>
+                      <a:r>
+                        <a:rPr lang="en-US" dirty="0"/>
+                        <a:t>0.90</a:t>
+                      </a:r>
+                    </a:p>
+                  </a:txBody>
+                  <a:tcPr anchor="ctr">
+                    <a:lnB w="12700" cmpd="sng">
+                      <a:noFill/>
+                    </a:lnB>
+                  </a:tcPr>
+                </a:tc>
+                <a:tc vMerge="1">
+                  <a:txBody>
+                    <a:bodyPr/>
+                    <a:lstStyle/>
+                    <a:p>
+                      <a:endParaRPr lang="en-US" dirty="0"/>
+                    </a:p>
+                  </a:txBody>
+                  <a:tcPr/>
+                </a:tc>
+                <a:tc vMerge="1">
+                  <a:txBody>
+                    <a:bodyPr/>
+                    <a:lstStyle/>
+                    <a:p>
+                      <a:endParaRPr lang="en-US" dirty="0"/>
+                    </a:p>
+                  </a:txBody>
+                  <a:tcPr/>
+                </a:tc>
+                <a:extLst>
+                  <a:ext uri="{0D108BD9-81ED-4DB2-BD59-A6C34878D82A}">
+                    <a16:rowId xmlns:a16="http://schemas.microsoft.com/office/drawing/2014/main" val="2695419232"/>
+                  </a:ext>
+                </a:extLst>
+              </a:tr>
+              <a:tr h="370840">
+                <a:tc rowSpan="2">
+                  <a:txBody>
+                    <a:bodyPr/>
+                    <a:lstStyle/>
+                    <a:p>
+                      <a:pPr marL="0" marR="0" lvl="0" indent="0" algn="ctr" defTabSz="914400" rtl="0" eaLnBrk="1" fontAlgn="auto" latinLnBrk="0" hangingPunct="1">
+                        <a:lnSpc>
+                          <a:spcPct val="100000"/>
+                        </a:lnSpc>
+                        <a:spcBef>
+                          <a:spcPts val="0"/>
+                        </a:spcBef>
+                        <a:spcAft>
+                          <a:spcPts val="0"/>
+                        </a:spcAft>
+                        <a:buClrTx/>
+                        <a:buSzTx/>
+                        <a:buFontTx/>
+                        <a:buNone/>
+                        <a:tabLst/>
+                        <a:defRPr/>
+                      </a:pPr>
+                      <a:r>
+                        <a:rPr lang="en-US" sz="1800" b="0" i="0" dirty="0">
+                          <a:solidFill>
+                            <a:srgbClr val="000000"/>
+                          </a:solidFill>
+                          <a:effectLst/>
+                          <a:latin typeface="Helvetica Neue"/>
+                        </a:rPr>
+                        <a:t>Random Forest Classifier</a:t>
+                      </a:r>
+                    </a:p>
+                  </a:txBody>
+                  <a:tcPr anchor="ctr">
+                    <a:lnL w="12700" cmpd="sng">
+                      <a:noFill/>
+                    </a:lnL>
+                    <a:lnR w="12700" cmpd="sng">
+                      <a:noFill/>
+                    </a:lnR>
+                    <a:lnT w="12700" cmpd="sng">
+                      <a:noFill/>
+                    </a:lnT>
+                    <a:lnB w="12700" cmpd="sng">
+                      <a:noFill/>
+                    </a:lnB>
+                    <a:lnTlToBr w="12700" cmpd="sng">
+                      <a:noFill/>
+                      <a:prstDash val="solid"/>
+                    </a:lnTlToBr>
+                    <a:lnBlToTr w="12700" cmpd="sng">
+                      <a:noFill/>
+                      <a:prstDash val="solid"/>
+                    </a:lnBlToTr>
+                    <a:solidFill>
+                      <a:schemeClr val="accent3">
+                        <a:lumMod val="60000"/>
+                        <a:lumOff val="40000"/>
+                      </a:schemeClr>
+                    </a:solidFill>
+                  </a:tcPr>
+                </a:tc>
+                <a:tc>
+                  <a:txBody>
+                    <a:bodyPr/>
+                    <a:lstStyle/>
+                    <a:p>
+                      <a:pPr algn="ctr"/>
+                      <a:r>
+                        <a:rPr lang="en-US" dirty="0"/>
+                        <a:t>0.90</a:t>
+                      </a:r>
+                    </a:p>
+                  </a:txBody>
+                  <a:tcPr anchor="ctr">
+                    <a:lnL w="12700" cmpd="sng">
+                      <a:noFill/>
+                    </a:lnL>
+                    <a:lnR w="12700" cmpd="sng">
+                      <a:noFill/>
+                    </a:lnR>
+                    <a:lnT w="12700" cmpd="sng">
+                      <a:noFill/>
+                    </a:lnT>
+                    <a:lnB w="12700" cmpd="sng">
+                      <a:noFill/>
+                    </a:lnB>
+                    <a:lnTlToBr w="12700" cmpd="sng">
+                      <a:noFill/>
+                      <a:prstDash val="solid"/>
+                    </a:lnTlToBr>
+                    <a:lnBlToTr w="12700" cmpd="sng">
+                      <a:noFill/>
+                      <a:prstDash val="solid"/>
+                    </a:lnBlToTr>
+                    <a:solidFill>
+                      <a:schemeClr val="accent3">
+                        <a:lumMod val="60000"/>
+                        <a:lumOff val="40000"/>
+                      </a:schemeClr>
+                    </a:solidFill>
+                  </a:tcPr>
+                </a:tc>
+                <a:tc rowSpan="2">
+                  <a:txBody>
+                    <a:bodyPr/>
+                    <a:lstStyle/>
+                    <a:p>
+                      <a:pPr algn="ctr"/>
+                      <a:r>
+                        <a:rPr lang="en-US" dirty="0"/>
+                        <a:t>0.91</a:t>
+                      </a:r>
+                    </a:p>
+                  </a:txBody>
+                  <a:tcPr anchor="ctr">
+                    <a:lnL w="12700" cmpd="sng">
+                      <a:noFill/>
+                    </a:lnL>
+                    <a:lnR w="12700" cmpd="sng">
+                      <a:noFill/>
+                    </a:lnR>
+                    <a:lnT w="12700" cmpd="sng">
+                      <a:noFill/>
+                    </a:lnT>
+                    <a:lnB w="12700" cmpd="sng">
+                      <a:noFill/>
+                    </a:lnB>
+                    <a:lnTlToBr w="12700" cmpd="sng">
+                      <a:noFill/>
+                      <a:prstDash val="solid"/>
+                    </a:lnTlToBr>
+                    <a:lnBlToTr w="12700" cmpd="sng">
+                      <a:noFill/>
+                      <a:prstDash val="solid"/>
+                    </a:lnBlToTr>
+                    <a:solidFill>
+                      <a:schemeClr val="accent3">
+                        <a:lumMod val="60000"/>
+                        <a:lumOff val="40000"/>
+                      </a:schemeClr>
+                    </a:solidFill>
+                  </a:tcPr>
+                </a:tc>
+                <a:tc rowSpan="2">
+                  <a:txBody>
+                    <a:bodyPr/>
+                    <a:lstStyle/>
+                    <a:p>
+                      <a:pPr algn="ctr"/>
+                      <a:r>
+                        <a:rPr lang="en-US" dirty="0"/>
+                        <a:t>0.112</a:t>
+                      </a:r>
+                    </a:p>
+                  </a:txBody>
+                  <a:tcPr anchor="ctr">
+                    <a:lnL w="12700" cmpd="sng">
+                      <a:noFill/>
+                    </a:lnL>
+                    <a:lnR w="12700" cmpd="sng">
+                      <a:noFill/>
+                    </a:lnR>
+                    <a:lnT w="12700" cmpd="sng">
+                      <a:noFill/>
+                    </a:lnT>
+                    <a:lnB w="12700" cmpd="sng">
+                      <a:noFill/>
+                    </a:lnB>
+                    <a:lnTlToBr w="12700" cmpd="sng">
+                      <a:noFill/>
+                      <a:prstDash val="solid"/>
+                    </a:lnTlToBr>
+                    <a:lnBlToTr w="12700" cmpd="sng">
+                      <a:noFill/>
+                      <a:prstDash val="solid"/>
+                    </a:lnBlToTr>
+                    <a:solidFill>
+                      <a:schemeClr val="accent3">
+                        <a:lumMod val="60000"/>
+                        <a:lumOff val="40000"/>
+                      </a:schemeClr>
+                    </a:solidFill>
+                  </a:tcPr>
+                </a:tc>
+                <a:extLst>
+                  <a:ext uri="{0D108BD9-81ED-4DB2-BD59-A6C34878D82A}">
+                    <a16:rowId xmlns:a16="http://schemas.microsoft.com/office/drawing/2014/main" val="1641587516"/>
+                  </a:ext>
+                </a:extLst>
+              </a:tr>
+              <a:tr h="370840">
+                <a:tc vMerge="1">
+                  <a:txBody>
+                    <a:bodyPr/>
+                    <a:lstStyle/>
+                    <a:p>
+                      <a:endParaRPr lang="en-US" dirty="0"/>
+                    </a:p>
+                  </a:txBody>
+                  <a:tcPr/>
+                </a:tc>
+                <a:tc>
+                  <a:txBody>
+                    <a:bodyPr/>
+                    <a:lstStyle/>
+                    <a:p>
+                      <a:pPr algn="ctr"/>
+                      <a:r>
+                        <a:rPr lang="en-US" dirty="0"/>
+                        <a:t>0.91</a:t>
+                      </a:r>
+                    </a:p>
+                  </a:txBody>
+                  <a:tcPr anchor="ctr">
+                    <a:lnL w="12700" cmpd="sng">
+                      <a:noFill/>
+                    </a:lnL>
+                    <a:lnR w="12700" cmpd="sng">
+                      <a:noFill/>
+                    </a:lnR>
+                    <a:lnT w="12700" cmpd="sng">
+                      <a:noFill/>
+                    </a:lnT>
+                    <a:lnB w="12700" cmpd="sng">
+                      <a:noFill/>
+                    </a:lnB>
+                    <a:lnTlToBr w="12700" cmpd="sng">
+                      <a:noFill/>
+                      <a:prstDash val="solid"/>
+                    </a:lnTlToBr>
+                    <a:lnBlToTr w="12700" cmpd="sng">
+                      <a:noFill/>
+                      <a:prstDash val="solid"/>
+                    </a:lnBlToTr>
+                    <a:solidFill>
+                      <a:schemeClr val="accent3">
+                        <a:lumMod val="60000"/>
+                        <a:lumOff val="40000"/>
+                      </a:schemeClr>
+                    </a:solidFill>
+                  </a:tcPr>
+                </a:tc>
+                <a:tc vMerge="1">
+                  <a:txBody>
+                    <a:bodyPr/>
+                    <a:lstStyle/>
+                    <a:p>
+                      <a:endParaRPr lang="en-US" dirty="0"/>
+                    </a:p>
+                  </a:txBody>
+                  <a:tcPr/>
+                </a:tc>
+                <a:tc vMerge="1">
+                  <a:txBody>
+                    <a:bodyPr/>
+                    <a:lstStyle/>
+                    <a:p>
+                      <a:endParaRPr lang="en-US" dirty="0"/>
+                    </a:p>
+                  </a:txBody>
+                  <a:tcPr/>
+                </a:tc>
+                <a:extLst>
+                  <a:ext uri="{0D108BD9-81ED-4DB2-BD59-A6C34878D82A}">
+                    <a16:rowId xmlns:a16="http://schemas.microsoft.com/office/drawing/2014/main" val="3541383130"/>
+                  </a:ext>
+                </a:extLst>
+              </a:tr>
+              <a:tr h="370840">
+                <a:tc rowSpan="2">
+                  <a:txBody>
+                    <a:bodyPr/>
+                    <a:lstStyle/>
+                    <a:p>
+                      <a:pPr marL="0" marR="0" lvl="0" indent="0" algn="ctr" defTabSz="914400" rtl="0" eaLnBrk="1" fontAlgn="auto" latinLnBrk="0" hangingPunct="1">
+                        <a:lnSpc>
+                          <a:spcPct val="100000"/>
+                        </a:lnSpc>
+                        <a:spcBef>
+                          <a:spcPts val="0"/>
+                        </a:spcBef>
+                        <a:spcAft>
+                          <a:spcPts val="0"/>
+                        </a:spcAft>
+                        <a:buClrTx/>
+                        <a:buSzTx/>
+                        <a:buFontTx/>
+                        <a:buNone/>
+                        <a:tabLst/>
+                        <a:defRPr/>
+                      </a:pPr>
+                      <a:r>
+                        <a:rPr lang="en-US" sz="1800" b="0" i="0" dirty="0">
+                          <a:solidFill>
+                            <a:srgbClr val="000000"/>
+                          </a:solidFill>
+                          <a:effectLst/>
+                          <a:latin typeface="Helvetica Neue"/>
+                        </a:rPr>
+                        <a:t>Gradient Boosting Classifier</a:t>
+                      </a:r>
+                    </a:p>
+                  </a:txBody>
+                  <a:tcPr anchor="ctr">
+                    <a:lnT w="12700" cmpd="sng">
+                      <a:noFill/>
+                    </a:lnT>
+                  </a:tcPr>
+                </a:tc>
+                <a:tc>
+                  <a:txBody>
+                    <a:bodyPr/>
+                    <a:lstStyle/>
+                    <a:p>
+                      <a:pPr algn="ctr"/>
+                      <a:r>
+                        <a:rPr lang="en-US" dirty="0"/>
+                        <a:t>0.83</a:t>
+                      </a:r>
+                    </a:p>
+                  </a:txBody>
+                  <a:tcPr anchor="ctr">
+                    <a:lnT w="12700" cmpd="sng">
+                      <a:noFill/>
+                    </a:lnT>
+                  </a:tcPr>
+                </a:tc>
+                <a:tc rowSpan="2">
+                  <a:txBody>
+                    <a:bodyPr/>
+                    <a:lstStyle/>
+                    <a:p>
+                      <a:pPr algn="ctr"/>
+                      <a:r>
+                        <a:rPr lang="en-US" dirty="0"/>
+                        <a:t>0.84</a:t>
+                      </a:r>
+                    </a:p>
+                  </a:txBody>
+                  <a:tcPr anchor="ctr">
+                    <a:lnT w="12700" cmpd="sng">
+                      <a:noFill/>
+                    </a:lnT>
+                  </a:tcPr>
+                </a:tc>
+                <a:tc rowSpan="2">
+                  <a:txBody>
+                    <a:bodyPr/>
+                    <a:lstStyle/>
+                    <a:p>
+                      <a:pPr algn="ctr"/>
+                      <a:r>
+                        <a:rPr lang="en-US" dirty="0"/>
+                        <a:t>0.161</a:t>
+                      </a:r>
+                    </a:p>
+                  </a:txBody>
+                  <a:tcPr anchor="ctr">
+                    <a:lnT w="12700" cmpd="sng">
+                      <a:noFill/>
+                    </a:lnT>
+                  </a:tcPr>
+                </a:tc>
+                <a:extLst>
+                  <a:ext uri="{0D108BD9-81ED-4DB2-BD59-A6C34878D82A}">
+                    <a16:rowId xmlns:a16="http://schemas.microsoft.com/office/drawing/2014/main" val="576652721"/>
+                  </a:ext>
+                </a:extLst>
+              </a:tr>
+              <a:tr h="370840">
+                <a:tc vMerge="1">
+                  <a:txBody>
+                    <a:bodyPr/>
+                    <a:lstStyle/>
+                    <a:p>
+                      <a:endParaRPr lang="en-US" dirty="0"/>
+                    </a:p>
+                  </a:txBody>
+                  <a:tcPr/>
+                </a:tc>
+                <a:tc>
+                  <a:txBody>
+                    <a:bodyPr/>
+                    <a:lstStyle/>
+                    <a:p>
+                      <a:pPr algn="ctr"/>
+                      <a:r>
+                        <a:rPr lang="en-US" dirty="0"/>
+                        <a:t>0.84</a:t>
+                      </a:r>
+                    </a:p>
+                  </a:txBody>
+                  <a:tcPr anchor="ctr"/>
+                </a:tc>
+                <a:tc vMerge="1">
+                  <a:txBody>
+                    <a:bodyPr/>
+                    <a:lstStyle/>
+                    <a:p>
+                      <a:endParaRPr lang="en-US" dirty="0"/>
+                    </a:p>
+                  </a:txBody>
+                  <a:tcPr/>
+                </a:tc>
+                <a:tc vMerge="1">
+                  <a:txBody>
+                    <a:bodyPr/>
+                    <a:lstStyle/>
+                    <a:p>
+                      <a:endParaRPr lang="en-US" dirty="0"/>
+                    </a:p>
+                  </a:txBody>
+                  <a:tcPr/>
+                </a:tc>
+                <a:extLst>
+                  <a:ext uri="{0D108BD9-81ED-4DB2-BD59-A6C34878D82A}">
+                    <a16:rowId xmlns:a16="http://schemas.microsoft.com/office/drawing/2014/main" val="1969797086"/>
+                  </a:ext>
+                </a:extLst>
+              </a:tr>
+            </a:tbl>
+          </a:graphicData>
+        </a:graphic>
+      </p:graphicFrame>
+    </p:spTree>
+    <p:extLst>
+      <p:ext uri="{BB962C8B-B14F-4D97-AF65-F5344CB8AC3E}">
+        <p14:creationId xmlns:p14="http://schemas.microsoft.com/office/powerpoint/2010/main" val="2018341205"/>
+      </p:ext>
+    </p:extLst>
+  </p:cSld>
+  <p:clrMapOvr>
+    <a:masterClrMapping/>
+  </p:clrMapOvr>
+  <p:transition spd="slow">
+    <p:push/>
+  </p:transition>
+</p:sld>
+</file>
+
+<file path=ppt/slides/slide11.xml><?xml version="1.0" encoding="utf-8"?>
+<p:sld xmlns:a="http://schemas.openxmlformats.org/drawingml/2006/main" xmlns:r="http://schemas.openxmlformats.org/officeDocument/2006/relationships" xmlns:p="http://schemas.openxmlformats.org/presentationml/2006/main">
+  <p:cSld>
+    <p:spTree>
+      <p:nvGrpSpPr>
+        <p:cNvPr id="1" name=""/>
+        <p:cNvGrpSpPr/>
+        <p:nvPr/>
+      </p:nvGrpSpPr>
+      <p:grpSpPr>
+        <a:xfrm>
+          <a:off x="0" y="0"/>
+          <a:ext cx="0" cy="0"/>
+          <a:chOff x="0" y="0"/>
+          <a:chExt cx="0" cy="0"/>
+        </a:xfrm>
+      </p:grpSpPr>
+      <p:sp>
+        <p:nvSpPr>
+          <p:cNvPr id="6" name="Title 5"/>
+          <p:cNvSpPr>
+            <a:spLocks noGrp="1"/>
+          </p:cNvSpPr>
+          <p:nvPr>
+            <p:ph type="title"/>
+          </p:nvPr>
+        </p:nvSpPr>
+        <p:spPr>
+          <a:xfrm>
+            <a:off x="0" y="0"/>
+            <a:ext cx="12192000" cy="1050758"/>
+          </a:xfrm>
+        </p:spPr>
+        <p:txBody>
+          <a:bodyPr/>
+          <a:lstStyle/>
+          <a:p>
+            <a:r>
+              <a:rPr lang="en-US" dirty="0"/>
+              <a:t>Modeling</a:t>
+            </a:r>
+          </a:p>
+        </p:txBody>
+      </p:sp>
+      <p:graphicFrame>
+        <p:nvGraphicFramePr>
+          <p:cNvPr id="20" name="Table 19"/>
+          <p:cNvGraphicFramePr>
+            <a:graphicFrameLocks noGrp="1"/>
+          </p:cNvGraphicFramePr>
+          <p:nvPr>
+            <p:extLst>
+              <p:ext uri="{D42A27DB-BD31-4B8C-83A1-F6EECF244321}">
+                <p14:modId xmlns:p14="http://schemas.microsoft.com/office/powerpoint/2010/main" val="465923556"/>
+              </p:ext>
+            </p:extLst>
+          </p:nvPr>
+        </p:nvGraphicFramePr>
+        <p:xfrm>
+          <a:off x="341745" y="865974"/>
+          <a:ext cx="11342253" cy="5534826"/>
+        </p:xfrm>
+        <a:graphic>
+          <a:graphicData uri="http://schemas.openxmlformats.org/drawingml/2006/table">
+            <a:tbl>
+              <a:tblPr firstRow="1">
+                <a:tableStyleId>{5C22544A-7EE6-4342-B048-85BDC9FD1C3A}</a:tableStyleId>
+              </a:tblPr>
+              <a:tblGrid>
+                <a:gridCol w="11342253">
+                  <a:extLst>
+                    <a:ext uri="{9D8B030D-6E8A-4147-A177-3AD203B41FA5}">
+                      <a16:colId xmlns:a16="http://schemas.microsoft.com/office/drawing/2014/main" val="493813631"/>
+                    </a:ext>
+                  </a:extLst>
+                </a:gridCol>
+              </a:tblGrid>
+              <a:tr h="418753">
+                <a:tc>
+                  <a:txBody>
+                    <a:bodyPr/>
+                    <a:lstStyle/>
+                    <a:p>
+                      <a:pPr algn="l"/>
+                      <a:r>
+                        <a:rPr lang="en-US" sz="1600" dirty="0">
+                          <a:solidFill>
+                            <a:schemeClr val="bg1"/>
+                          </a:solidFill>
+                        </a:rPr>
+                        <a:t>The results</a:t>
+                      </a:r>
+                      <a:endParaRPr lang="en-US" sz="1100" dirty="0">
+                        <a:solidFill>
+                          <a:schemeClr val="bg1"/>
+                        </a:solidFill>
+                      </a:endParaRPr>
+                    </a:p>
+                  </a:txBody>
+                  <a:tcPr>
+                    <a:lnL w="12700" cmpd="sng">
+                      <a:noFill/>
+                    </a:lnL>
+                    <a:lnR w="12700" cmpd="sng">
+                      <a:noFill/>
+                    </a:lnR>
+                    <a:lnT w="12700" cmpd="sng">
+                      <a:noFill/>
+                    </a:lnT>
+                    <a:lnB w="12700" cmpd="sng">
+                      <a:noFill/>
+                    </a:lnB>
+                    <a:lnTlToBr w="12700" cmpd="sng">
+                      <a:noFill/>
+                      <a:prstDash val="solid"/>
+                    </a:lnTlToBr>
+                    <a:lnBlToTr w="12700" cmpd="sng">
+                      <a:noFill/>
+                      <a:prstDash val="solid"/>
+                    </a:lnBlToTr>
+                    <a:solidFill>
+                      <a:schemeClr val="accent2"/>
+                    </a:solidFill>
+                  </a:tcPr>
+                </a:tc>
+                <a:extLst>
+                  <a:ext uri="{0D108BD9-81ED-4DB2-BD59-A6C34878D82A}">
+                    <a16:rowId xmlns:a16="http://schemas.microsoft.com/office/drawing/2014/main" val="2570369641"/>
+                  </a:ext>
+                </a:extLst>
+              </a:tr>
+              <a:tr h="5116073">
+                <a:tc>
+                  <a:txBody>
+                    <a:bodyPr/>
+                    <a:lstStyle/>
+                    <a:p>
+                      <a:pPr algn="l"/>
+                      <a:endParaRPr lang="en-US" sz="2400" b="0" i="0" dirty="0">
+                        <a:solidFill>
+                          <a:srgbClr val="000000"/>
+                        </a:solidFill>
+                        <a:effectLst/>
+                        <a:latin typeface="Helvetica Neue"/>
+                      </a:endParaRPr>
+                    </a:p>
+                  </a:txBody>
+                  <a:tcPr anchor="ctr">
+                    <a:lnL w="12700" cmpd="sng">
+                      <a:noFill/>
+                    </a:lnL>
+                    <a:lnR w="12700" cmpd="sng">
+                      <a:noFill/>
+                    </a:lnR>
+                    <a:lnT w="12700" cmpd="sng">
+                      <a:noFill/>
+                    </a:lnT>
+                    <a:lnB w="3175" cap="flat" cmpd="sng" algn="ctr">
+                      <a:solidFill>
+                        <a:schemeClr val="accent2"/>
+                      </a:solidFill>
+                      <a:prstDash val="solid"/>
+                      <a:round/>
+                      <a:headEnd type="none" w="med" len="med"/>
+                      <a:tailEnd type="none" w="med" len="med"/>
+                    </a:lnB>
+                    <a:lnTlToBr w="12700" cmpd="sng">
+                      <a:noFill/>
+                      <a:prstDash val="solid"/>
+                    </a:lnTlToBr>
+                    <a:lnBlToTr w="12700" cmpd="sng">
+                      <a:noFill/>
+                      <a:prstDash val="solid"/>
+                    </a:lnBlToTr>
+                    <a:solidFill>
+                      <a:schemeClr val="bg1"/>
+                    </a:solidFill>
+                  </a:tcPr>
+                </a:tc>
+                <a:extLst>
+                  <a:ext uri="{0D108BD9-81ED-4DB2-BD59-A6C34878D82A}">
+                    <a16:rowId xmlns:a16="http://schemas.microsoft.com/office/drawing/2014/main" val="3241782274"/>
+                  </a:ext>
+                </a:extLst>
+              </a:tr>
+            </a:tbl>
+          </a:graphicData>
+        </a:graphic>
+      </p:graphicFrame>
+      <p:sp>
+        <p:nvSpPr>
+          <p:cNvPr id="5" name="Slide Number Placeholder 4"/>
+          <p:cNvSpPr>
+            <a:spLocks noGrp="1"/>
+          </p:cNvSpPr>
+          <p:nvPr>
+            <p:ph type="sldNum" sz="quarter" idx="4294967295"/>
+          </p:nvPr>
+        </p:nvSpPr>
+        <p:spPr>
+          <a:xfrm>
+            <a:off x="9476509" y="6316661"/>
+            <a:ext cx="2743200" cy="365125"/>
+          </a:xfrm>
+        </p:spPr>
+        <p:txBody>
+          <a:bodyPr/>
+          <a:lstStyle/>
+          <a:p>
+            <a:fld id="{5AE1514C-5E56-4738-A1FF-4B1CFD2A3E36}" type="slidenum">
+              <a:rPr lang="en-US" smtClean="0"/>
+              <a:t>11</a:t>
+            </a:fld>
+            <a:endParaRPr lang="en-US"/>
+          </a:p>
+        </p:txBody>
+      </p:sp>
+      <p:graphicFrame>
+        <p:nvGraphicFramePr>
+          <p:cNvPr id="7" name="Table 6">
+            <a:extLst>
+              <a:ext uri="{FF2B5EF4-FFF2-40B4-BE49-F238E27FC236}">
+                <a16:creationId xmlns:a16="http://schemas.microsoft.com/office/drawing/2014/main" id="{4CF04951-190A-483C-B99E-59B079A807DB}"/>
+              </a:ext>
+            </a:extLst>
+          </p:cNvPr>
+          <p:cNvGraphicFramePr>
+            <a:graphicFrameLocks noGrp="1"/>
+          </p:cNvGraphicFramePr>
+          <p:nvPr>
+            <p:extLst>
+              <p:ext uri="{D42A27DB-BD31-4B8C-83A1-F6EECF244321}">
+                <p14:modId xmlns:p14="http://schemas.microsoft.com/office/powerpoint/2010/main" val="3788876079"/>
+              </p:ext>
+            </p:extLst>
+          </p:nvPr>
+        </p:nvGraphicFramePr>
+        <p:xfrm>
+          <a:off x="341745" y="1459345"/>
+          <a:ext cx="2715491" cy="2391124"/>
+        </p:xfrm>
+        <a:graphic>
+          <a:graphicData uri="http://schemas.openxmlformats.org/drawingml/2006/table">
+            <a:tbl>
+              <a:tblPr firstRow="1">
+                <a:tableStyleId>{5C22544A-7EE6-4342-B048-85BDC9FD1C3A}</a:tableStyleId>
+              </a:tblPr>
+              <a:tblGrid>
+                <a:gridCol w="2715491">
+                  <a:extLst>
+                    <a:ext uri="{9D8B030D-6E8A-4147-A177-3AD203B41FA5}">
+                      <a16:colId xmlns:a16="http://schemas.microsoft.com/office/drawing/2014/main" val="493813631"/>
+                    </a:ext>
+                  </a:extLst>
+                </a:gridCol>
+              </a:tblGrid>
+              <a:tr h="351887">
+                <a:tc>
+                  <a:txBody>
+                    <a:bodyPr/>
+                    <a:lstStyle/>
+                    <a:p>
+                      <a:pPr marL="0" marR="0" lvl="0" indent="0" algn="ctr" defTabSz="914400" rtl="0" eaLnBrk="1" fontAlgn="auto" latinLnBrk="0" hangingPunct="1">
+                        <a:lnSpc>
+                          <a:spcPct val="100000"/>
+                        </a:lnSpc>
+                        <a:spcBef>
+                          <a:spcPts val="0"/>
+                        </a:spcBef>
+                        <a:spcAft>
+                          <a:spcPts val="0"/>
+                        </a:spcAft>
+                        <a:buClrTx/>
+                        <a:buSzTx/>
+                        <a:buFontTx/>
+                        <a:buNone/>
+                        <a:tabLst/>
+                        <a:defRPr/>
+                      </a:pPr>
+                      <a:r>
+                        <a:rPr lang="en-US" sz="1600" b="0" i="0" dirty="0">
+                          <a:solidFill>
+                            <a:schemeClr val="bg1"/>
+                          </a:solidFill>
+                          <a:effectLst/>
+                          <a:latin typeface="Helvetica Neue"/>
+                        </a:rPr>
+                        <a:t>logistic regression</a:t>
+                      </a:r>
+                    </a:p>
+                  </a:txBody>
+                  <a:tcPr>
+                    <a:lnL w="12700" cmpd="sng">
+                      <a:noFill/>
+                    </a:lnL>
+                    <a:lnR w="12700" cmpd="sng">
+                      <a:noFill/>
+                    </a:lnR>
+                    <a:lnT w="12700" cmpd="sng">
+                      <a:noFill/>
+                    </a:lnT>
+                    <a:lnB w="12700" cmpd="sng">
+                      <a:noFill/>
+                    </a:lnB>
+                    <a:lnTlToBr w="12700" cmpd="sng">
+                      <a:noFill/>
+                      <a:prstDash val="solid"/>
+                    </a:lnTlToBr>
+                    <a:lnBlToTr w="12700" cmpd="sng">
+                      <a:noFill/>
+                      <a:prstDash val="solid"/>
+                    </a:lnBlToTr>
+                    <a:solidFill>
+                      <a:schemeClr val="accent2"/>
+                    </a:solidFill>
+                  </a:tcPr>
+                </a:tc>
+                <a:extLst>
+                  <a:ext uri="{0D108BD9-81ED-4DB2-BD59-A6C34878D82A}">
+                    <a16:rowId xmlns:a16="http://schemas.microsoft.com/office/drawing/2014/main" val="2570369641"/>
+                  </a:ext>
+                </a:extLst>
+              </a:tr>
+              <a:tr h="2039237">
+                <a:tc>
+                  <a:txBody>
+                    <a:bodyPr/>
+                    <a:lstStyle/>
+                    <a:p>
+                      <a:pPr algn="l"/>
+                      <a:endParaRPr lang="en-US" sz="2400" b="0" i="0" dirty="0">
+                        <a:solidFill>
+                          <a:srgbClr val="000000"/>
+                        </a:solidFill>
+                        <a:effectLst/>
+                        <a:latin typeface="Helvetica Neue"/>
+                      </a:endParaRPr>
+                    </a:p>
+                  </a:txBody>
+                  <a:tcPr anchor="ctr">
+                    <a:lnL w="12700" cmpd="sng">
+                      <a:noFill/>
+                    </a:lnL>
+                    <a:lnR w="12700" cmpd="sng">
+                      <a:noFill/>
+                    </a:lnR>
+                    <a:lnT w="12700" cmpd="sng">
+                      <a:noFill/>
+                    </a:lnT>
+                    <a:lnB w="3175" cap="flat" cmpd="sng" algn="ctr">
+                      <a:solidFill>
+                        <a:schemeClr val="accent2"/>
+                      </a:solidFill>
+                      <a:prstDash val="solid"/>
+                      <a:round/>
+                      <a:headEnd type="none" w="med" len="med"/>
+                      <a:tailEnd type="none" w="med" len="med"/>
+                    </a:lnB>
+                    <a:lnTlToBr w="12700" cmpd="sng">
+                      <a:noFill/>
+                      <a:prstDash val="solid"/>
+                    </a:lnTlToBr>
+                    <a:lnBlToTr w="12700" cmpd="sng">
+                      <a:noFill/>
+                      <a:prstDash val="solid"/>
+                    </a:lnBlToTr>
+                    <a:solidFill>
+                      <a:schemeClr val="bg1"/>
+                    </a:solidFill>
+                  </a:tcPr>
+                </a:tc>
+                <a:extLst>
+                  <a:ext uri="{0D108BD9-81ED-4DB2-BD59-A6C34878D82A}">
+                    <a16:rowId xmlns:a16="http://schemas.microsoft.com/office/drawing/2014/main" val="3241782274"/>
+                  </a:ext>
+                </a:extLst>
+              </a:tr>
+            </a:tbl>
+          </a:graphicData>
+        </a:graphic>
+      </p:graphicFrame>
+      <p:pic>
+        <p:nvPicPr>
+          <p:cNvPr id="4" name="Picture 3">
+            <a:extLst>
+              <a:ext uri="{FF2B5EF4-FFF2-40B4-BE49-F238E27FC236}">
+                <a16:creationId xmlns:a16="http://schemas.microsoft.com/office/drawing/2014/main" id="{845DE12B-16D0-4B6A-AA89-80CA092C04A4}"/>
+              </a:ext>
+            </a:extLst>
+          </p:cNvPr>
+          <p:cNvPicPr>
+            <a:picLocks noChangeAspect="1"/>
+          </p:cNvPicPr>
+          <p:nvPr/>
+        </p:nvPicPr>
+        <p:blipFill>
+          <a:blip r:embed="rId3"/>
+          <a:stretch>
+            <a:fillRect/>
+          </a:stretch>
+        </p:blipFill>
+        <p:spPr>
+          <a:xfrm>
+            <a:off x="635384" y="1866598"/>
+            <a:ext cx="2128211" cy="1815013"/>
+          </a:xfrm>
+          <a:prstGeom prst="rect">
+            <a:avLst/>
+          </a:prstGeom>
+        </p:spPr>
+      </p:pic>
+      <p:graphicFrame>
+        <p:nvGraphicFramePr>
+          <p:cNvPr id="9" name="Table 8">
+            <a:extLst>
+              <a:ext uri="{FF2B5EF4-FFF2-40B4-BE49-F238E27FC236}">
+                <a16:creationId xmlns:a16="http://schemas.microsoft.com/office/drawing/2014/main" id="{DAF33A8B-FC00-4151-8FB8-977CA623E2E5}"/>
+              </a:ext>
+            </a:extLst>
+          </p:cNvPr>
+          <p:cNvGraphicFramePr>
+            <a:graphicFrameLocks noGrp="1"/>
+          </p:cNvGraphicFramePr>
+          <p:nvPr>
+            <p:extLst>
+              <p:ext uri="{D42A27DB-BD31-4B8C-83A1-F6EECF244321}">
+                <p14:modId xmlns:p14="http://schemas.microsoft.com/office/powerpoint/2010/main" val="2093569688"/>
+              </p:ext>
+            </p:extLst>
+          </p:nvPr>
+        </p:nvGraphicFramePr>
+        <p:xfrm>
+          <a:off x="341745" y="4038387"/>
+          <a:ext cx="2715491" cy="2278275"/>
+        </p:xfrm>
+        <a:graphic>
+          <a:graphicData uri="http://schemas.openxmlformats.org/drawingml/2006/table">
+            <a:tbl>
+              <a:tblPr firstRow="1">
+                <a:tableStyleId>{5C22544A-7EE6-4342-B048-85BDC9FD1C3A}</a:tableStyleId>
+              </a:tblPr>
+              <a:tblGrid>
+                <a:gridCol w="2715491">
+                  <a:extLst>
+                    <a:ext uri="{9D8B030D-6E8A-4147-A177-3AD203B41FA5}">
+                      <a16:colId xmlns:a16="http://schemas.microsoft.com/office/drawing/2014/main" val="493813631"/>
+                    </a:ext>
+                  </a:extLst>
+                </a:gridCol>
+              </a:tblGrid>
+              <a:tr h="335281">
+                <a:tc>
+                  <a:txBody>
+                    <a:bodyPr/>
+                    <a:lstStyle/>
+                    <a:p>
+                      <a:pPr marL="0" marR="0" lvl="0" indent="0" algn="ctr" defTabSz="914400" rtl="0" eaLnBrk="1" fontAlgn="auto" latinLnBrk="0" hangingPunct="1">
+                        <a:lnSpc>
+                          <a:spcPct val="100000"/>
+                        </a:lnSpc>
+                        <a:spcBef>
+                          <a:spcPts val="0"/>
+                        </a:spcBef>
+                        <a:spcAft>
+                          <a:spcPts val="0"/>
+                        </a:spcAft>
+                        <a:buClrTx/>
+                        <a:buSzTx/>
+                        <a:buFontTx/>
+                        <a:buNone/>
+                        <a:tabLst/>
+                        <a:defRPr/>
+                      </a:pPr>
+                      <a:r>
+                        <a:rPr lang="en-US" sz="1600" b="0" dirty="0"/>
+                        <a:t>Decision Tree Classifier</a:t>
+                      </a:r>
+                      <a:endParaRPr lang="en-US" sz="1600" b="0" i="0" dirty="0">
+                        <a:solidFill>
+                          <a:schemeClr val="bg1"/>
+                        </a:solidFill>
+                        <a:effectLst/>
+                        <a:latin typeface="Helvetica Neue"/>
+                      </a:endParaRPr>
+                    </a:p>
+                  </a:txBody>
+                  <a:tcPr>
+                    <a:lnL w="12700" cmpd="sng">
+                      <a:noFill/>
+                    </a:lnL>
+                    <a:lnR w="12700" cmpd="sng">
+                      <a:noFill/>
+                    </a:lnR>
+                    <a:lnT w="12700" cmpd="sng">
+                      <a:noFill/>
+                    </a:lnT>
+                    <a:lnB w="12700" cmpd="sng">
+                      <a:noFill/>
+                    </a:lnB>
+                    <a:lnTlToBr w="12700" cmpd="sng">
+                      <a:noFill/>
+                      <a:prstDash val="solid"/>
+                    </a:lnTlToBr>
+                    <a:lnBlToTr w="12700" cmpd="sng">
+                      <a:noFill/>
+                      <a:prstDash val="solid"/>
+                    </a:lnBlToTr>
+                    <a:solidFill>
+                      <a:schemeClr val="accent2"/>
+                    </a:solidFill>
+                  </a:tcPr>
+                </a:tc>
+                <a:extLst>
+                  <a:ext uri="{0D108BD9-81ED-4DB2-BD59-A6C34878D82A}">
+                    <a16:rowId xmlns:a16="http://schemas.microsoft.com/office/drawing/2014/main" val="2570369641"/>
+                  </a:ext>
+                </a:extLst>
+              </a:tr>
+              <a:tr h="1942994">
+                <a:tc>
+                  <a:txBody>
+                    <a:bodyPr/>
+                    <a:lstStyle/>
+                    <a:p>
+                      <a:pPr algn="l"/>
+                      <a:endParaRPr lang="en-US" sz="2400" b="0" i="0" dirty="0">
+                        <a:solidFill>
+                          <a:srgbClr val="000000"/>
+                        </a:solidFill>
+                        <a:effectLst/>
+                        <a:latin typeface="Helvetica Neue"/>
+                      </a:endParaRPr>
+                    </a:p>
+                  </a:txBody>
+                  <a:tcPr anchor="ctr">
+                    <a:lnL w="12700" cmpd="sng">
+                      <a:noFill/>
+                    </a:lnL>
+                    <a:lnR w="12700" cmpd="sng">
+                      <a:noFill/>
+                    </a:lnR>
+                    <a:lnT w="12700" cmpd="sng">
+                      <a:noFill/>
+                    </a:lnT>
+                    <a:lnB w="3175" cap="flat" cmpd="sng" algn="ctr">
+                      <a:solidFill>
+                        <a:schemeClr val="accent2"/>
+                      </a:solidFill>
+                      <a:prstDash val="solid"/>
+                      <a:round/>
+                      <a:headEnd type="none" w="med" len="med"/>
+                      <a:tailEnd type="none" w="med" len="med"/>
+                    </a:lnB>
+                    <a:lnTlToBr w="12700" cmpd="sng">
+                      <a:noFill/>
+                      <a:prstDash val="solid"/>
+                    </a:lnTlToBr>
+                    <a:lnBlToTr w="12700" cmpd="sng">
+                      <a:noFill/>
+                      <a:prstDash val="solid"/>
+                    </a:lnBlToTr>
+                    <a:solidFill>
+                      <a:schemeClr val="bg1"/>
+                    </a:solidFill>
+                  </a:tcPr>
+                </a:tc>
+                <a:extLst>
+                  <a:ext uri="{0D108BD9-81ED-4DB2-BD59-A6C34878D82A}">
+                    <a16:rowId xmlns:a16="http://schemas.microsoft.com/office/drawing/2014/main" val="3241782274"/>
+                  </a:ext>
+                </a:extLst>
+              </a:tr>
+            </a:tbl>
+          </a:graphicData>
+        </a:graphic>
+      </p:graphicFrame>
+      <p:graphicFrame>
+        <p:nvGraphicFramePr>
+          <p:cNvPr id="15" name="Table 14">
+            <a:extLst>
+              <a:ext uri="{FF2B5EF4-FFF2-40B4-BE49-F238E27FC236}">
+                <a16:creationId xmlns:a16="http://schemas.microsoft.com/office/drawing/2014/main" id="{152F118B-E500-4EA6-AA2E-5F1B6BBCA316}"/>
+              </a:ext>
+            </a:extLst>
+          </p:cNvPr>
+          <p:cNvGraphicFramePr>
+            <a:graphicFrameLocks noGrp="1"/>
+          </p:cNvGraphicFramePr>
+          <p:nvPr>
+            <p:extLst>
+              <p:ext uri="{D42A27DB-BD31-4B8C-83A1-F6EECF244321}">
+                <p14:modId xmlns:p14="http://schemas.microsoft.com/office/powerpoint/2010/main" val="3290531762"/>
+              </p:ext>
+            </p:extLst>
+          </p:nvPr>
+        </p:nvGraphicFramePr>
+        <p:xfrm>
+          <a:off x="4509652" y="4038387"/>
+          <a:ext cx="2715491" cy="2278274"/>
+        </p:xfrm>
+        <a:graphic>
+          <a:graphicData uri="http://schemas.openxmlformats.org/drawingml/2006/table">
+            <a:tbl>
+              <a:tblPr firstRow="1">
+                <a:tableStyleId>{5C22544A-7EE6-4342-B048-85BDC9FD1C3A}</a:tableStyleId>
+              </a:tblPr>
+              <a:tblGrid>
+                <a:gridCol w="2715491">
+                  <a:extLst>
+                    <a:ext uri="{9D8B030D-6E8A-4147-A177-3AD203B41FA5}">
+                      <a16:colId xmlns:a16="http://schemas.microsoft.com/office/drawing/2014/main" val="493813631"/>
+                    </a:ext>
+                  </a:extLst>
+                </a:gridCol>
+              </a:tblGrid>
+              <a:tr h="218316">
+                <a:tc>
+                  <a:txBody>
+                    <a:bodyPr/>
+                    <a:lstStyle/>
+                    <a:p>
+                      <a:pPr marL="0" marR="0" lvl="0" indent="0" algn="ctr" defTabSz="914400" rtl="0" eaLnBrk="1" fontAlgn="auto" latinLnBrk="0" hangingPunct="1">
+                        <a:lnSpc>
+                          <a:spcPct val="100000"/>
+                        </a:lnSpc>
+                        <a:spcBef>
+                          <a:spcPts val="0"/>
+                        </a:spcBef>
+                        <a:spcAft>
+                          <a:spcPts val="0"/>
+                        </a:spcAft>
+                        <a:buClrTx/>
+                        <a:buSzTx/>
+                        <a:buFontTx/>
+                        <a:buNone/>
+                        <a:tabLst/>
+                        <a:defRPr/>
+                      </a:pPr>
+                      <a:r>
+                        <a:rPr lang="en-US" sz="1600" b="0" dirty="0"/>
+                        <a:t>Gradient Boosting Classifier</a:t>
+                      </a:r>
+                      <a:endParaRPr lang="en-US" sz="1600" b="0" i="0" dirty="0">
+                        <a:solidFill>
+                          <a:schemeClr val="bg1"/>
+                        </a:solidFill>
+                        <a:effectLst/>
+                        <a:latin typeface="Helvetica Neue"/>
+                      </a:endParaRPr>
+                    </a:p>
+                  </a:txBody>
+                  <a:tcPr>
+                    <a:lnL w="12700" cmpd="sng">
+                      <a:noFill/>
+                    </a:lnL>
+                    <a:lnR w="12700" cmpd="sng">
+                      <a:noFill/>
+                    </a:lnR>
+                    <a:lnT w="12700" cmpd="sng">
+                      <a:noFill/>
+                    </a:lnT>
+                    <a:lnB w="12700" cmpd="sng">
+                      <a:noFill/>
+                    </a:lnB>
+                    <a:lnTlToBr w="12700" cmpd="sng">
+                      <a:noFill/>
+                      <a:prstDash val="solid"/>
+                    </a:lnTlToBr>
+                    <a:lnBlToTr w="12700" cmpd="sng">
+                      <a:noFill/>
+                      <a:prstDash val="solid"/>
+                    </a:lnBlToTr>
+                    <a:solidFill>
+                      <a:schemeClr val="accent2"/>
+                    </a:solidFill>
+                  </a:tcPr>
+                </a:tc>
+                <a:extLst>
+                  <a:ext uri="{0D108BD9-81ED-4DB2-BD59-A6C34878D82A}">
+                    <a16:rowId xmlns:a16="http://schemas.microsoft.com/office/drawing/2014/main" val="2570369641"/>
+                  </a:ext>
+                </a:extLst>
+              </a:tr>
+              <a:tr h="1942994">
+                <a:tc>
+                  <a:txBody>
+                    <a:bodyPr/>
+                    <a:lstStyle/>
+                    <a:p>
+                      <a:pPr algn="l"/>
+                      <a:endParaRPr lang="en-US" sz="2400" b="0" i="0" dirty="0">
+                        <a:solidFill>
+                          <a:srgbClr val="000000"/>
+                        </a:solidFill>
+                        <a:effectLst/>
+                        <a:latin typeface="Helvetica Neue"/>
+                      </a:endParaRPr>
+                    </a:p>
+                  </a:txBody>
+                  <a:tcPr anchor="ctr">
+                    <a:lnL w="12700" cmpd="sng">
+                      <a:noFill/>
+                    </a:lnL>
+                    <a:lnR w="12700" cmpd="sng">
+                      <a:noFill/>
+                    </a:lnR>
+                    <a:lnT w="12700" cmpd="sng">
+                      <a:noFill/>
+                    </a:lnT>
+                    <a:lnB w="3175" cap="flat" cmpd="sng" algn="ctr">
+                      <a:solidFill>
+                        <a:schemeClr val="accent2"/>
+                      </a:solidFill>
+                      <a:prstDash val="solid"/>
+                      <a:round/>
+                      <a:headEnd type="none" w="med" len="med"/>
+                      <a:tailEnd type="none" w="med" len="med"/>
+                    </a:lnB>
+                    <a:lnTlToBr w="12700" cmpd="sng">
+                      <a:noFill/>
+                      <a:prstDash val="solid"/>
+                    </a:lnTlToBr>
+                    <a:lnBlToTr w="12700" cmpd="sng">
+                      <a:noFill/>
+                      <a:prstDash val="solid"/>
+                    </a:lnBlToTr>
+                    <a:solidFill>
+                      <a:schemeClr val="bg1"/>
+                    </a:solidFill>
+                  </a:tcPr>
+                </a:tc>
+                <a:extLst>
+                  <a:ext uri="{0D108BD9-81ED-4DB2-BD59-A6C34878D82A}">
+                    <a16:rowId xmlns:a16="http://schemas.microsoft.com/office/drawing/2014/main" val="3241782274"/>
+                  </a:ext>
+                </a:extLst>
+              </a:tr>
+            </a:tbl>
+          </a:graphicData>
+        </a:graphic>
+      </p:graphicFrame>
+      <p:graphicFrame>
+        <p:nvGraphicFramePr>
+          <p:cNvPr id="17" name="Table 16">
+            <a:extLst>
+              <a:ext uri="{FF2B5EF4-FFF2-40B4-BE49-F238E27FC236}">
+                <a16:creationId xmlns:a16="http://schemas.microsoft.com/office/drawing/2014/main" id="{0ED77CF1-DA5D-438C-A0FD-9D7433275283}"/>
+              </a:ext>
+            </a:extLst>
+          </p:cNvPr>
+          <p:cNvGraphicFramePr>
+            <a:graphicFrameLocks noGrp="1"/>
+          </p:cNvGraphicFramePr>
+          <p:nvPr>
+            <p:extLst>
+              <p:ext uri="{D42A27DB-BD31-4B8C-83A1-F6EECF244321}">
+                <p14:modId xmlns:p14="http://schemas.microsoft.com/office/powerpoint/2010/main" val="3629220737"/>
+              </p:ext>
+            </p:extLst>
+          </p:nvPr>
+        </p:nvGraphicFramePr>
+        <p:xfrm>
+          <a:off x="8677564" y="4042419"/>
+          <a:ext cx="2715491" cy="2278274"/>
+        </p:xfrm>
+        <a:graphic>
+          <a:graphicData uri="http://schemas.openxmlformats.org/drawingml/2006/table">
+            <a:tbl>
+              <a:tblPr firstRow="1">
+                <a:tableStyleId>{5C22544A-7EE6-4342-B048-85BDC9FD1C3A}</a:tableStyleId>
+              </a:tblPr>
+              <a:tblGrid>
+                <a:gridCol w="2715491">
+                  <a:extLst>
+                    <a:ext uri="{9D8B030D-6E8A-4147-A177-3AD203B41FA5}">
+                      <a16:colId xmlns:a16="http://schemas.microsoft.com/office/drawing/2014/main" val="493813631"/>
+                    </a:ext>
+                  </a:extLst>
+                </a:gridCol>
+              </a:tblGrid>
+              <a:tr h="218316">
+                <a:tc>
+                  <a:txBody>
+                    <a:bodyPr/>
+                    <a:lstStyle/>
+                    <a:p>
+                      <a:pPr marL="0" marR="0" lvl="0" indent="0" algn="ctr" defTabSz="914400" rtl="0" eaLnBrk="1" fontAlgn="auto" latinLnBrk="0" hangingPunct="1">
+                        <a:lnSpc>
+                          <a:spcPct val="100000"/>
+                        </a:lnSpc>
+                        <a:spcBef>
+                          <a:spcPts val="0"/>
+                        </a:spcBef>
+                        <a:spcAft>
+                          <a:spcPts val="0"/>
+                        </a:spcAft>
+                        <a:buClrTx/>
+                        <a:buSzTx/>
+                        <a:buFontTx/>
+                        <a:buNone/>
+                        <a:tabLst/>
+                        <a:defRPr/>
+                      </a:pPr>
+                      <a:r>
+                        <a:rPr lang="en-US" sz="1600" b="0" dirty="0"/>
+                        <a:t>Random Forest Classifier</a:t>
+                      </a:r>
+                      <a:endParaRPr lang="en-US" sz="1600" b="0" i="0" dirty="0">
+                        <a:solidFill>
+                          <a:schemeClr val="bg1"/>
+                        </a:solidFill>
+                        <a:effectLst/>
+                        <a:latin typeface="Helvetica Neue"/>
+                      </a:endParaRPr>
+                    </a:p>
+                  </a:txBody>
+                  <a:tcPr>
+                    <a:lnL w="12700" cmpd="sng">
+                      <a:noFill/>
+                    </a:lnL>
+                    <a:lnR w="12700" cmpd="sng">
+                      <a:noFill/>
+                    </a:lnR>
+                    <a:lnT w="12700" cmpd="sng">
+                      <a:noFill/>
+                    </a:lnT>
+                    <a:lnB w="12700" cmpd="sng">
+                      <a:noFill/>
+                    </a:lnB>
+                    <a:lnTlToBr w="12700" cmpd="sng">
+                      <a:noFill/>
+                      <a:prstDash val="solid"/>
+                    </a:lnTlToBr>
+                    <a:lnBlToTr w="12700" cmpd="sng">
+                      <a:noFill/>
+                      <a:prstDash val="solid"/>
+                    </a:lnBlToTr>
+                    <a:solidFill>
+                      <a:schemeClr val="accent2"/>
+                    </a:solidFill>
+                  </a:tcPr>
+                </a:tc>
+                <a:extLst>
+                  <a:ext uri="{0D108BD9-81ED-4DB2-BD59-A6C34878D82A}">
+                    <a16:rowId xmlns:a16="http://schemas.microsoft.com/office/drawing/2014/main" val="2570369641"/>
+                  </a:ext>
+                </a:extLst>
+              </a:tr>
+              <a:tr h="1942994">
+                <a:tc>
+                  <a:txBody>
+                    <a:bodyPr/>
+                    <a:lstStyle/>
+                    <a:p>
+                      <a:pPr algn="l"/>
+                      <a:endParaRPr lang="en-US" sz="2400" b="0" i="0" dirty="0">
+                        <a:solidFill>
+                          <a:srgbClr val="000000"/>
+                        </a:solidFill>
+                        <a:effectLst/>
+                        <a:latin typeface="Helvetica Neue"/>
+                      </a:endParaRPr>
+                    </a:p>
+                  </a:txBody>
+                  <a:tcPr anchor="ctr">
+                    <a:lnL w="12700" cmpd="sng">
+                      <a:noFill/>
+                    </a:lnL>
+                    <a:lnR w="12700" cmpd="sng">
+                      <a:noFill/>
+                    </a:lnR>
+                    <a:lnT w="12700" cmpd="sng">
+                      <a:noFill/>
+                    </a:lnT>
+                    <a:lnB w="3175" cap="flat" cmpd="sng" algn="ctr">
+                      <a:solidFill>
+                        <a:schemeClr val="accent2"/>
+                      </a:solidFill>
+                      <a:prstDash val="solid"/>
+                      <a:round/>
+                      <a:headEnd type="none" w="med" len="med"/>
+                      <a:tailEnd type="none" w="med" len="med"/>
+                    </a:lnB>
+                    <a:lnTlToBr w="12700" cmpd="sng">
+                      <a:noFill/>
+                      <a:prstDash val="solid"/>
+                    </a:lnTlToBr>
+                    <a:lnBlToTr w="12700" cmpd="sng">
+                      <a:noFill/>
+                      <a:prstDash val="solid"/>
+                    </a:lnBlToTr>
+                    <a:solidFill>
+                      <a:schemeClr val="accent3">
+                        <a:lumMod val="75000"/>
+                      </a:schemeClr>
+                    </a:solidFill>
+                  </a:tcPr>
+                </a:tc>
+                <a:extLst>
+                  <a:ext uri="{0D108BD9-81ED-4DB2-BD59-A6C34878D82A}">
+                    <a16:rowId xmlns:a16="http://schemas.microsoft.com/office/drawing/2014/main" val="3241782274"/>
+                  </a:ext>
+                </a:extLst>
+              </a:tr>
+            </a:tbl>
+          </a:graphicData>
+        </a:graphic>
+      </p:graphicFrame>
+      <p:graphicFrame>
+        <p:nvGraphicFramePr>
+          <p:cNvPr id="19" name="Table 18">
+            <a:extLst>
+              <a:ext uri="{FF2B5EF4-FFF2-40B4-BE49-F238E27FC236}">
+                <a16:creationId xmlns:a16="http://schemas.microsoft.com/office/drawing/2014/main" id="{38970C9A-0B6D-4FB2-8BBC-2898B9647CEC}"/>
+              </a:ext>
+            </a:extLst>
+          </p:cNvPr>
+          <p:cNvGraphicFramePr>
+            <a:graphicFrameLocks noGrp="1"/>
+          </p:cNvGraphicFramePr>
+          <p:nvPr>
+            <p:extLst>
+              <p:ext uri="{D42A27DB-BD31-4B8C-83A1-F6EECF244321}">
+                <p14:modId xmlns:p14="http://schemas.microsoft.com/office/powerpoint/2010/main" val="1698899549"/>
+              </p:ext>
+            </p:extLst>
+          </p:nvPr>
+        </p:nvGraphicFramePr>
+        <p:xfrm>
+          <a:off x="4509654" y="1572195"/>
+          <a:ext cx="2715491" cy="2278274"/>
+        </p:xfrm>
+        <a:graphic>
+          <a:graphicData uri="http://schemas.openxmlformats.org/drawingml/2006/table">
+            <a:tbl>
+              <a:tblPr firstRow="1">
+                <a:tableStyleId>{5C22544A-7EE6-4342-B048-85BDC9FD1C3A}</a:tableStyleId>
+              </a:tblPr>
+              <a:tblGrid>
+                <a:gridCol w="2715491">
+                  <a:extLst>
+                    <a:ext uri="{9D8B030D-6E8A-4147-A177-3AD203B41FA5}">
+                      <a16:colId xmlns:a16="http://schemas.microsoft.com/office/drawing/2014/main" val="493813631"/>
+                    </a:ext>
+                  </a:extLst>
+                </a:gridCol>
+              </a:tblGrid>
+              <a:tr h="218316">
+                <a:tc>
+                  <a:txBody>
+                    <a:bodyPr/>
+                    <a:lstStyle/>
+                    <a:p>
+                      <a:pPr algn="ctr"/>
+                      <a:r>
+                        <a:rPr lang="en-US" sz="1600" b="0" i="0" dirty="0">
+                          <a:solidFill>
+                            <a:schemeClr val="bg1"/>
+                          </a:solidFill>
+                          <a:effectLst/>
+                          <a:latin typeface="Helvetica Neue"/>
+                        </a:rPr>
+                        <a:t>Ada Boost Classifier </a:t>
+                      </a:r>
+                      <a:endParaRPr lang="en-US" sz="1600" dirty="0">
+                        <a:solidFill>
+                          <a:schemeClr val="bg1"/>
+                        </a:solidFill>
+                      </a:endParaRPr>
+                    </a:p>
+                  </a:txBody>
+                  <a:tcPr>
+                    <a:lnL w="12700" cmpd="sng">
+                      <a:noFill/>
+                    </a:lnL>
+                    <a:lnR w="12700" cmpd="sng">
+                      <a:noFill/>
+                    </a:lnR>
+                    <a:lnT w="12700" cmpd="sng">
+                      <a:noFill/>
+                    </a:lnT>
+                    <a:lnB w="12700" cmpd="sng">
+                      <a:noFill/>
+                    </a:lnB>
+                    <a:lnTlToBr w="12700" cmpd="sng">
+                      <a:noFill/>
+                      <a:prstDash val="solid"/>
+                    </a:lnTlToBr>
+                    <a:lnBlToTr w="12700" cmpd="sng">
+                      <a:noFill/>
+                      <a:prstDash val="solid"/>
+                    </a:lnBlToTr>
+                    <a:solidFill>
+                      <a:schemeClr val="accent2"/>
+                    </a:solidFill>
+                  </a:tcPr>
+                </a:tc>
+                <a:extLst>
+                  <a:ext uri="{0D108BD9-81ED-4DB2-BD59-A6C34878D82A}">
+                    <a16:rowId xmlns:a16="http://schemas.microsoft.com/office/drawing/2014/main" val="2570369641"/>
+                  </a:ext>
+                </a:extLst>
+              </a:tr>
+              <a:tr h="1942994">
+                <a:tc>
+                  <a:txBody>
+                    <a:bodyPr/>
+                    <a:lstStyle/>
+                    <a:p>
+                      <a:pPr algn="l"/>
+                      <a:endParaRPr lang="en-US" sz="2400" b="0" i="0" dirty="0">
+                        <a:solidFill>
+                          <a:srgbClr val="000000"/>
+                        </a:solidFill>
+                        <a:effectLst/>
+                        <a:latin typeface="Helvetica Neue"/>
+                      </a:endParaRPr>
+                    </a:p>
+                  </a:txBody>
+                  <a:tcPr anchor="ctr">
+                    <a:lnL w="12700" cmpd="sng">
+                      <a:noFill/>
+                    </a:lnL>
+                    <a:lnR w="12700" cmpd="sng">
+                      <a:noFill/>
+                    </a:lnR>
+                    <a:lnT w="12700" cmpd="sng">
+                      <a:noFill/>
+                    </a:lnT>
+                    <a:lnB w="3175" cap="flat" cmpd="sng" algn="ctr">
+                      <a:solidFill>
+                        <a:schemeClr val="accent2"/>
+                      </a:solidFill>
+                      <a:prstDash val="solid"/>
+                      <a:round/>
+                      <a:headEnd type="none" w="med" len="med"/>
+                      <a:tailEnd type="none" w="med" len="med"/>
+                    </a:lnB>
+                    <a:lnTlToBr w="12700" cmpd="sng">
+                      <a:noFill/>
+                      <a:prstDash val="solid"/>
+                    </a:lnTlToBr>
+                    <a:lnBlToTr w="12700" cmpd="sng">
+                      <a:noFill/>
+                      <a:prstDash val="solid"/>
+                    </a:lnBlToTr>
+                    <a:solidFill>
+                      <a:schemeClr val="bg1"/>
+                    </a:solidFill>
+                  </a:tcPr>
+                </a:tc>
+                <a:extLst>
+                  <a:ext uri="{0D108BD9-81ED-4DB2-BD59-A6C34878D82A}">
+                    <a16:rowId xmlns:a16="http://schemas.microsoft.com/office/drawing/2014/main" val="3241782274"/>
+                  </a:ext>
+                </a:extLst>
+              </a:tr>
+            </a:tbl>
+          </a:graphicData>
+        </a:graphic>
+      </p:graphicFrame>
+      <p:graphicFrame>
+        <p:nvGraphicFramePr>
+          <p:cNvPr id="22" name="Table 21">
+            <a:extLst>
+              <a:ext uri="{FF2B5EF4-FFF2-40B4-BE49-F238E27FC236}">
+                <a16:creationId xmlns:a16="http://schemas.microsoft.com/office/drawing/2014/main" id="{6B4A1A24-C22B-4B95-9E3C-6A0E60632657}"/>
+              </a:ext>
+            </a:extLst>
+          </p:cNvPr>
+          <p:cNvGraphicFramePr>
+            <a:graphicFrameLocks noGrp="1"/>
+          </p:cNvGraphicFramePr>
+          <p:nvPr>
+            <p:extLst>
+              <p:ext uri="{D42A27DB-BD31-4B8C-83A1-F6EECF244321}">
+                <p14:modId xmlns:p14="http://schemas.microsoft.com/office/powerpoint/2010/main" val="764528362"/>
+              </p:ext>
+            </p:extLst>
+          </p:nvPr>
+        </p:nvGraphicFramePr>
+        <p:xfrm>
+          <a:off x="8677564" y="1507541"/>
+          <a:ext cx="2715491" cy="2278274"/>
+        </p:xfrm>
+        <a:graphic>
+          <a:graphicData uri="http://schemas.openxmlformats.org/drawingml/2006/table">
+            <a:tbl>
+              <a:tblPr firstRow="1">
+                <a:tableStyleId>{5C22544A-7EE6-4342-B048-85BDC9FD1C3A}</a:tableStyleId>
+              </a:tblPr>
+              <a:tblGrid>
+                <a:gridCol w="2715491">
+                  <a:extLst>
+                    <a:ext uri="{9D8B030D-6E8A-4147-A177-3AD203B41FA5}">
+                      <a16:colId xmlns:a16="http://schemas.microsoft.com/office/drawing/2014/main" val="493813631"/>
+                    </a:ext>
+                  </a:extLst>
+                </a:gridCol>
+              </a:tblGrid>
+              <a:tr h="218316">
+                <a:tc>
+                  <a:txBody>
+                    <a:bodyPr/>
+                    <a:lstStyle/>
+                    <a:p>
+                      <a:pPr marL="0" marR="0" lvl="0" indent="0" algn="ctr" defTabSz="914400" rtl="0" eaLnBrk="1" fontAlgn="auto" latinLnBrk="0" hangingPunct="1">
+                        <a:lnSpc>
+                          <a:spcPct val="100000"/>
+                        </a:lnSpc>
+                        <a:spcBef>
+                          <a:spcPts val="0"/>
+                        </a:spcBef>
+                        <a:spcAft>
+                          <a:spcPts val="0"/>
+                        </a:spcAft>
+                        <a:buClrTx/>
+                        <a:buSzTx/>
+                        <a:buFontTx/>
+                        <a:buNone/>
+                        <a:tabLst/>
+                        <a:defRPr/>
+                      </a:pPr>
+                      <a:r>
+                        <a:rPr lang="en-US" sz="1600" b="0" dirty="0"/>
+                        <a:t>Gaussian NB</a:t>
+                      </a:r>
+                      <a:endParaRPr lang="en-US" sz="1600" b="0" i="0" dirty="0">
+                        <a:solidFill>
+                          <a:schemeClr val="bg1"/>
+                        </a:solidFill>
+                        <a:effectLst/>
+                        <a:latin typeface="Helvetica Neue"/>
+                      </a:endParaRPr>
+                    </a:p>
+                  </a:txBody>
+                  <a:tcPr>
+                    <a:lnL w="12700" cmpd="sng">
+                      <a:noFill/>
+                    </a:lnL>
+                    <a:lnR w="12700" cmpd="sng">
+                      <a:noFill/>
+                    </a:lnR>
+                    <a:lnT w="12700" cmpd="sng">
+                      <a:noFill/>
+                    </a:lnT>
+                    <a:lnB w="12700" cmpd="sng">
+                      <a:noFill/>
+                    </a:lnB>
+                    <a:lnTlToBr w="12700" cmpd="sng">
+                      <a:noFill/>
+                      <a:prstDash val="solid"/>
+                    </a:lnTlToBr>
+                    <a:lnBlToTr w="12700" cmpd="sng">
+                      <a:noFill/>
+                      <a:prstDash val="solid"/>
+                    </a:lnBlToTr>
+                    <a:solidFill>
+                      <a:schemeClr val="accent2"/>
+                    </a:solidFill>
+                  </a:tcPr>
+                </a:tc>
+                <a:extLst>
+                  <a:ext uri="{0D108BD9-81ED-4DB2-BD59-A6C34878D82A}">
+                    <a16:rowId xmlns:a16="http://schemas.microsoft.com/office/drawing/2014/main" val="2570369641"/>
+                  </a:ext>
+                </a:extLst>
+              </a:tr>
+              <a:tr h="1942994">
+                <a:tc>
+                  <a:txBody>
+                    <a:bodyPr/>
+                    <a:lstStyle/>
+                    <a:p>
+                      <a:pPr algn="l"/>
+                      <a:endParaRPr lang="en-US" sz="2400" b="0" i="0" dirty="0">
+                        <a:solidFill>
+                          <a:srgbClr val="000000"/>
+                        </a:solidFill>
+                        <a:effectLst/>
+                        <a:latin typeface="Helvetica Neue"/>
+                      </a:endParaRPr>
+                    </a:p>
+                  </a:txBody>
+                  <a:tcPr anchor="ctr">
+                    <a:lnL w="12700" cmpd="sng">
+                      <a:noFill/>
+                    </a:lnL>
+                    <a:lnR w="12700" cmpd="sng">
+                      <a:noFill/>
+                    </a:lnR>
+                    <a:lnT w="12700" cmpd="sng">
+                      <a:noFill/>
+                    </a:lnT>
+                    <a:lnB w="3175" cap="flat" cmpd="sng" algn="ctr">
+                      <a:solidFill>
+                        <a:schemeClr val="accent2"/>
+                      </a:solidFill>
+                      <a:prstDash val="solid"/>
+                      <a:round/>
+                      <a:headEnd type="none" w="med" len="med"/>
+                      <a:tailEnd type="none" w="med" len="med"/>
+                    </a:lnB>
+                    <a:lnTlToBr w="12700" cmpd="sng">
+                      <a:noFill/>
+                      <a:prstDash val="solid"/>
+                    </a:lnTlToBr>
+                    <a:lnBlToTr w="12700" cmpd="sng">
+                      <a:noFill/>
+                      <a:prstDash val="solid"/>
+                    </a:lnBlToTr>
+                    <a:solidFill>
+                      <a:schemeClr val="bg1">
+                        <a:lumMod val="75000"/>
+                      </a:schemeClr>
+                    </a:solidFill>
+                  </a:tcPr>
+                </a:tc>
+                <a:extLst>
+                  <a:ext uri="{0D108BD9-81ED-4DB2-BD59-A6C34878D82A}">
+                    <a16:rowId xmlns:a16="http://schemas.microsoft.com/office/drawing/2014/main" val="3241782274"/>
+                  </a:ext>
+                </a:extLst>
+              </a:tr>
+            </a:tbl>
+          </a:graphicData>
+        </a:graphic>
+      </p:graphicFrame>
+      <p:pic>
+        <p:nvPicPr>
+          <p:cNvPr id="24" name="Picture 23">
+            <a:extLst>
+              <a:ext uri="{FF2B5EF4-FFF2-40B4-BE49-F238E27FC236}">
+                <a16:creationId xmlns:a16="http://schemas.microsoft.com/office/drawing/2014/main" id="{1E09CB6B-917F-4574-BD4C-86D02C327B4D}"/>
+              </a:ext>
+            </a:extLst>
+          </p:cNvPr>
+          <p:cNvPicPr>
+            <a:picLocks noChangeAspect="1"/>
+          </p:cNvPicPr>
+          <p:nvPr/>
+        </p:nvPicPr>
+        <p:blipFill>
+          <a:blip r:embed="rId4"/>
+          <a:stretch>
+            <a:fillRect/>
+          </a:stretch>
+        </p:blipFill>
+        <p:spPr>
+          <a:xfrm>
+            <a:off x="4803293" y="1914794"/>
+            <a:ext cx="2128212" cy="1766817"/>
+          </a:xfrm>
+          <a:prstGeom prst="rect">
+            <a:avLst/>
+          </a:prstGeom>
+        </p:spPr>
+      </p:pic>
+      <p:pic>
+        <p:nvPicPr>
+          <p:cNvPr id="26" name="Picture 25">
+            <a:extLst>
+              <a:ext uri="{FF2B5EF4-FFF2-40B4-BE49-F238E27FC236}">
+                <a16:creationId xmlns:a16="http://schemas.microsoft.com/office/drawing/2014/main" id="{E3E1FACB-C288-4A75-B1FC-8348BCB26AD4}"/>
+              </a:ext>
+            </a:extLst>
+          </p:cNvPr>
+          <p:cNvPicPr>
+            <a:picLocks noChangeAspect="1"/>
+          </p:cNvPicPr>
+          <p:nvPr/>
+        </p:nvPicPr>
+        <p:blipFill>
+          <a:blip r:embed="rId5"/>
+          <a:stretch>
+            <a:fillRect/>
+          </a:stretch>
+        </p:blipFill>
+        <p:spPr>
+          <a:xfrm>
+            <a:off x="8971203" y="1914794"/>
+            <a:ext cx="2128213" cy="1718621"/>
+          </a:xfrm>
+          <a:prstGeom prst="rect">
+            <a:avLst/>
+          </a:prstGeom>
+        </p:spPr>
+      </p:pic>
+      <p:pic>
+        <p:nvPicPr>
+          <p:cNvPr id="30" name="Picture 29">
+            <a:extLst>
+              <a:ext uri="{FF2B5EF4-FFF2-40B4-BE49-F238E27FC236}">
+                <a16:creationId xmlns:a16="http://schemas.microsoft.com/office/drawing/2014/main" id="{13D28192-A44D-4CF2-AE46-3AFA35BE3741}"/>
+              </a:ext>
+            </a:extLst>
+          </p:cNvPr>
+          <p:cNvPicPr>
+            <a:picLocks noChangeAspect="1"/>
+          </p:cNvPicPr>
+          <p:nvPr/>
+        </p:nvPicPr>
+        <p:blipFill>
+          <a:blip r:embed="rId6"/>
+          <a:stretch>
+            <a:fillRect/>
+          </a:stretch>
+        </p:blipFill>
+        <p:spPr>
+          <a:xfrm>
+            <a:off x="635384" y="4449672"/>
+            <a:ext cx="2128211" cy="1766401"/>
+          </a:xfrm>
+          <a:prstGeom prst="rect">
+            <a:avLst/>
+          </a:prstGeom>
+        </p:spPr>
+      </p:pic>
+      <p:pic>
+        <p:nvPicPr>
+          <p:cNvPr id="32" name="Picture 31">
+            <a:extLst>
+              <a:ext uri="{FF2B5EF4-FFF2-40B4-BE49-F238E27FC236}">
+                <a16:creationId xmlns:a16="http://schemas.microsoft.com/office/drawing/2014/main" id="{BE8763A1-0D9B-40A8-840E-F78354F4D47D}"/>
+              </a:ext>
+            </a:extLst>
+          </p:cNvPr>
+          <p:cNvPicPr>
+            <a:picLocks noChangeAspect="1"/>
+          </p:cNvPicPr>
+          <p:nvPr/>
+        </p:nvPicPr>
+        <p:blipFill>
+          <a:blip r:embed="rId7"/>
+          <a:stretch>
+            <a:fillRect/>
+          </a:stretch>
+        </p:blipFill>
+        <p:spPr>
+          <a:xfrm>
+            <a:off x="4803293" y="4449672"/>
+            <a:ext cx="2128212" cy="1766401"/>
+          </a:xfrm>
+          <a:prstGeom prst="rect">
+            <a:avLst/>
+          </a:prstGeom>
+        </p:spPr>
+      </p:pic>
+      <p:pic>
+        <p:nvPicPr>
+          <p:cNvPr id="36" name="Picture 35">
+            <a:extLst>
+              <a:ext uri="{FF2B5EF4-FFF2-40B4-BE49-F238E27FC236}">
+                <a16:creationId xmlns:a16="http://schemas.microsoft.com/office/drawing/2014/main" id="{402FD8B9-9103-41DA-93FD-9909E0FD7EFC}"/>
+              </a:ext>
+            </a:extLst>
+          </p:cNvPr>
+          <p:cNvPicPr>
+            <a:picLocks noChangeAspect="1"/>
+          </p:cNvPicPr>
+          <p:nvPr/>
+        </p:nvPicPr>
+        <p:blipFill>
+          <a:blip r:embed="rId8"/>
+          <a:stretch>
+            <a:fillRect/>
+          </a:stretch>
+        </p:blipFill>
+        <p:spPr>
+          <a:xfrm>
+            <a:off x="8971203" y="4449672"/>
+            <a:ext cx="2128211" cy="1866989"/>
+          </a:xfrm>
+          <a:prstGeom prst="rect">
+            <a:avLst/>
+          </a:prstGeom>
+        </p:spPr>
+      </p:pic>
+    </p:spTree>
+    <p:extLst>
+      <p:ext uri="{BB962C8B-B14F-4D97-AF65-F5344CB8AC3E}">
+        <p14:creationId xmlns:p14="http://schemas.microsoft.com/office/powerpoint/2010/main" val="3821817613"/>
+      </p:ext>
+    </p:extLst>
+  </p:cSld>
+  <p:clrMapOvr>
+    <a:masterClrMapping/>
+  </p:clrMapOvr>
+  <p:transition spd="slow">
+    <p:push/>
+  </p:transition>
+</p:sld>
+</file>
+
+<file path=ppt/slides/slide12.xml><?xml version="1.0" encoding="utf-8"?>
+<p:sld xmlns:a="http://schemas.openxmlformats.org/drawingml/2006/main" xmlns:r="http://schemas.openxmlformats.org/officeDocument/2006/relationships" xmlns:p="http://schemas.openxmlformats.org/presentationml/2006/main">
+  <p:cSld>
+    <p:spTree>
+      <p:nvGrpSpPr>
+        <p:cNvPr id="1" name=""/>
+        <p:cNvGrpSpPr/>
+        <p:nvPr/>
+      </p:nvGrpSpPr>
+      <p:grpSpPr>
+        <a:xfrm>
+          <a:off x="0" y="0"/>
+          <a:ext cx="0" cy="0"/>
+          <a:chOff x="0" y="0"/>
+          <a:chExt cx="0" cy="0"/>
+        </a:xfrm>
+      </p:grpSpPr>
+      <p:sp>
+        <p:nvSpPr>
+          <p:cNvPr id="6" name="Title 5"/>
+          <p:cNvSpPr>
+            <a:spLocks noGrp="1"/>
+          </p:cNvSpPr>
+          <p:nvPr>
+            <p:ph type="title"/>
+          </p:nvPr>
+        </p:nvSpPr>
+        <p:spPr>
+          <a:xfrm>
+            <a:off x="0" y="0"/>
+            <a:ext cx="12192000" cy="1050758"/>
+          </a:xfrm>
+        </p:spPr>
+        <p:txBody>
+          <a:bodyPr/>
+          <a:lstStyle/>
+          <a:p>
+            <a:r>
+              <a:rPr lang="en-US" dirty="0"/>
+              <a:t>Conclusion</a:t>
+            </a:r>
+          </a:p>
+        </p:txBody>
+      </p:sp>
+      <p:graphicFrame>
+        <p:nvGraphicFramePr>
+          <p:cNvPr id="20" name="Table 19"/>
+          <p:cNvGraphicFramePr>
+            <a:graphicFrameLocks noGrp="1"/>
+          </p:cNvGraphicFramePr>
+          <p:nvPr>
+            <p:extLst>
+              <p:ext uri="{D42A27DB-BD31-4B8C-83A1-F6EECF244321}">
+                <p14:modId xmlns:p14="http://schemas.microsoft.com/office/powerpoint/2010/main" val="3363340060"/>
+              </p:ext>
+            </p:extLst>
+          </p:nvPr>
+        </p:nvGraphicFramePr>
+        <p:xfrm>
+          <a:off x="341745" y="865974"/>
+          <a:ext cx="11342253" cy="1932309"/>
+        </p:xfrm>
+        <a:graphic>
+          <a:graphicData uri="http://schemas.openxmlformats.org/drawingml/2006/table">
+            <a:tbl>
+              <a:tblPr firstRow="1">
+                <a:tableStyleId>{5C22544A-7EE6-4342-B048-85BDC9FD1C3A}</a:tableStyleId>
+              </a:tblPr>
+              <a:tblGrid>
+                <a:gridCol w="11342253">
+                  <a:extLst>
+                    <a:ext uri="{9D8B030D-6E8A-4147-A177-3AD203B41FA5}">
+                      <a16:colId xmlns:a16="http://schemas.microsoft.com/office/drawing/2014/main" val="493813631"/>
+                    </a:ext>
+                  </a:extLst>
+                </a:gridCol>
+              </a:tblGrid>
+              <a:tr h="280197">
+                <a:tc>
+                  <a:txBody>
+                    <a:bodyPr/>
+                    <a:lstStyle/>
+                    <a:p>
+                      <a:pPr algn="l"/>
+                      <a:r>
+                        <a:rPr lang="en-US" sz="1600" dirty="0">
+                          <a:solidFill>
+                            <a:schemeClr val="bg1"/>
+                          </a:solidFill>
+                        </a:rPr>
+                        <a:t>The best model</a:t>
+                      </a:r>
+                      <a:endParaRPr lang="en-US" sz="1100" dirty="0">
+                        <a:solidFill>
+                          <a:schemeClr val="bg1"/>
+                        </a:solidFill>
+                      </a:endParaRPr>
+                    </a:p>
+                  </a:txBody>
+                  <a:tcPr>
+                    <a:lnL w="12700" cmpd="sng">
+                      <a:noFill/>
+                    </a:lnL>
+                    <a:lnR w="12700" cmpd="sng">
+                      <a:noFill/>
+                    </a:lnR>
+                    <a:lnT w="12700" cmpd="sng">
+                      <a:noFill/>
+                    </a:lnT>
+                    <a:lnB w="12700" cmpd="sng">
+                      <a:noFill/>
+                    </a:lnB>
+                    <a:lnTlToBr w="12700" cmpd="sng">
+                      <a:noFill/>
+                      <a:prstDash val="solid"/>
+                    </a:lnTlToBr>
+                    <a:lnBlToTr w="12700" cmpd="sng">
+                      <a:noFill/>
+                      <a:prstDash val="solid"/>
+                    </a:lnBlToTr>
+                    <a:solidFill>
+                      <a:schemeClr val="accent2"/>
+                    </a:solidFill>
+                  </a:tcPr>
+                </a:tc>
+                <a:extLst>
+                  <a:ext uri="{0D108BD9-81ED-4DB2-BD59-A6C34878D82A}">
+                    <a16:rowId xmlns:a16="http://schemas.microsoft.com/office/drawing/2014/main" val="2570369641"/>
+                  </a:ext>
+                </a:extLst>
+              </a:tr>
+              <a:tr h="1597029">
+                <a:tc>
+                  <a:txBody>
+                    <a:bodyPr/>
+                    <a:lstStyle/>
+                    <a:p>
+                      <a:pPr algn="l"/>
+                      <a:r>
+                        <a:rPr lang="en-US" sz="1600" b="0" i="0" dirty="0">
+                          <a:solidFill>
+                            <a:srgbClr val="000000"/>
+                          </a:solidFill>
+                          <a:effectLst/>
+                          <a:latin typeface="Helvetica Neue"/>
+                        </a:rPr>
+                        <a:t>From the results, I can say that the Random Forest Classifier model is the best model:</a:t>
+                      </a:r>
+                    </a:p>
+                    <a:p>
+                      <a:pPr algn="l"/>
+                      <a:r>
+                        <a:rPr lang="en-US" sz="1600" b="0" i="0" dirty="0">
+                          <a:solidFill>
+                            <a:srgbClr val="000000"/>
+                          </a:solidFill>
+                          <a:effectLst/>
+                          <a:latin typeface="Helvetica Neue"/>
+                        </a:rPr>
+                        <a:t>1. It has the lowest MSE.</a:t>
+                      </a:r>
+                    </a:p>
+                    <a:p>
+                      <a:pPr algn="l"/>
+                      <a:r>
+                        <a:rPr lang="en-US" sz="1600" b="0" i="0" dirty="0">
+                          <a:solidFill>
+                            <a:srgbClr val="000000"/>
+                          </a:solidFill>
+                          <a:effectLst/>
+                          <a:latin typeface="Helvetica Neue"/>
+                        </a:rPr>
+                        <a:t>2. It has the highest f1-score.</a:t>
+                      </a:r>
+                    </a:p>
+                    <a:p>
+                      <a:pPr algn="l"/>
+                      <a:r>
+                        <a:rPr lang="en-US" sz="1600" b="0" i="0" dirty="0">
+                          <a:solidFill>
+                            <a:srgbClr val="000000"/>
+                          </a:solidFill>
+                          <a:effectLst/>
+                          <a:latin typeface="Helvetica Neue"/>
+                        </a:rPr>
+                        <a:t>3. It has the best confusion matrix.</a:t>
+                      </a:r>
+                    </a:p>
+                    <a:p>
+                      <a:pPr algn="l"/>
+                      <a:r>
+                        <a:rPr lang="en-US" sz="1600" b="0" i="0" dirty="0">
+                          <a:solidFill>
+                            <a:srgbClr val="000000"/>
+                          </a:solidFill>
+                          <a:effectLst/>
+                          <a:latin typeface="Helvetica Neue"/>
+                        </a:rPr>
+                        <a:t>4. It has the highest accuracy score.</a:t>
+                      </a:r>
+                    </a:p>
+                  </a:txBody>
+                  <a:tcPr anchor="ctr">
+                    <a:lnL w="12700" cmpd="sng">
+                      <a:noFill/>
+                    </a:lnL>
+                    <a:lnR w="12700" cmpd="sng">
+                      <a:noFill/>
+                    </a:lnR>
+                    <a:lnT w="12700" cmpd="sng">
+                      <a:noFill/>
+                    </a:lnT>
+                    <a:lnB w="3175" cap="flat" cmpd="sng" algn="ctr">
+                      <a:solidFill>
+                        <a:schemeClr val="accent2"/>
+                      </a:solidFill>
+                      <a:prstDash val="solid"/>
+                      <a:round/>
+                      <a:headEnd type="none" w="med" len="med"/>
+                      <a:tailEnd type="none" w="med" len="med"/>
+                    </a:lnB>
+                    <a:lnTlToBr w="12700" cmpd="sng">
+                      <a:noFill/>
+                      <a:prstDash val="solid"/>
+                    </a:lnTlToBr>
+                    <a:lnBlToTr w="12700" cmpd="sng">
+                      <a:noFill/>
+                      <a:prstDash val="solid"/>
+                    </a:lnBlToTr>
+                    <a:solidFill>
+                      <a:schemeClr val="bg1"/>
+                    </a:solidFill>
+                  </a:tcPr>
+                </a:tc>
+                <a:extLst>
+                  <a:ext uri="{0D108BD9-81ED-4DB2-BD59-A6C34878D82A}">
+                    <a16:rowId xmlns:a16="http://schemas.microsoft.com/office/drawing/2014/main" val="3241782274"/>
+                  </a:ext>
+                </a:extLst>
+              </a:tr>
+            </a:tbl>
+          </a:graphicData>
+        </a:graphic>
+      </p:graphicFrame>
+      <p:sp>
+        <p:nvSpPr>
+          <p:cNvPr id="5" name="Slide Number Placeholder 4"/>
+          <p:cNvSpPr>
+            <a:spLocks noGrp="1"/>
+          </p:cNvSpPr>
+          <p:nvPr>
+            <p:ph type="sldNum" sz="quarter" idx="4294967295"/>
+          </p:nvPr>
+        </p:nvSpPr>
+        <p:spPr>
+          <a:xfrm>
+            <a:off x="9476509" y="6316661"/>
+            <a:ext cx="2743200" cy="365125"/>
+          </a:xfrm>
+        </p:spPr>
+        <p:txBody>
+          <a:bodyPr/>
+          <a:lstStyle/>
+          <a:p>
+            <a:fld id="{5AE1514C-5E56-4738-A1FF-4B1CFD2A3E36}" type="slidenum">
+              <a:rPr lang="en-US" smtClean="0"/>
+              <a:t>12</a:t>
+            </a:fld>
+            <a:endParaRPr lang="en-US"/>
+          </a:p>
+        </p:txBody>
+      </p:sp>
+      <p:pic>
+        <p:nvPicPr>
+          <p:cNvPr id="3" name="Picture 2">
+            <a:extLst>
+              <a:ext uri="{FF2B5EF4-FFF2-40B4-BE49-F238E27FC236}">
+                <a16:creationId xmlns:a16="http://schemas.microsoft.com/office/drawing/2014/main" id="{8B91E435-FEDE-4B75-9716-CCAEC54AA6C4}"/>
+              </a:ext>
+            </a:extLst>
+          </p:cNvPr>
+          <p:cNvPicPr>
+            <a:picLocks noChangeAspect="1"/>
+          </p:cNvPicPr>
+          <p:nvPr/>
+        </p:nvPicPr>
+        <p:blipFill>
+          <a:blip r:embed="rId3"/>
+          <a:stretch>
+            <a:fillRect/>
+          </a:stretch>
+        </p:blipFill>
+        <p:spPr>
+          <a:xfrm>
+            <a:off x="442530" y="2978545"/>
+            <a:ext cx="5621549" cy="1932309"/>
+          </a:xfrm>
+          <a:prstGeom prst="rect">
+            <a:avLst/>
+          </a:prstGeom>
+        </p:spPr>
+      </p:pic>
+      <p:pic>
+        <p:nvPicPr>
+          <p:cNvPr id="10" name="Picture 9">
+            <a:extLst>
+              <a:ext uri="{FF2B5EF4-FFF2-40B4-BE49-F238E27FC236}">
+                <a16:creationId xmlns:a16="http://schemas.microsoft.com/office/drawing/2014/main" id="{C7873854-8DEE-4781-91CC-04A8066D42CF}"/>
+              </a:ext>
+            </a:extLst>
+          </p:cNvPr>
+          <p:cNvPicPr>
+            <a:picLocks noChangeAspect="1"/>
+          </p:cNvPicPr>
+          <p:nvPr/>
+        </p:nvPicPr>
+        <p:blipFill>
+          <a:blip r:embed="rId4"/>
+          <a:stretch>
+            <a:fillRect/>
+          </a:stretch>
+        </p:blipFill>
+        <p:spPr>
+          <a:xfrm>
+            <a:off x="6064079" y="2978545"/>
+            <a:ext cx="5619919" cy="2033525"/>
+          </a:xfrm>
+          <a:prstGeom prst="rect">
+            <a:avLst/>
+          </a:prstGeom>
+        </p:spPr>
+      </p:pic>
+    </p:spTree>
+    <p:extLst>
+      <p:ext uri="{BB962C8B-B14F-4D97-AF65-F5344CB8AC3E}">
+        <p14:creationId xmlns:p14="http://schemas.microsoft.com/office/powerpoint/2010/main" val="4223577990"/>
+      </p:ext>
+    </p:extLst>
+  </p:cSld>
+  <p:clrMapOvr>
+    <a:masterClrMapping/>
+  </p:clrMapOvr>
+  <p:transition spd="slow">
+    <p:push/>
+  </p:transition>
+</p:sld>
+</file>
+
+<file path=ppt/slides/slide13.xml><?xml version="1.0" encoding="utf-8"?>
+<p:sld xmlns:a="http://schemas.openxmlformats.org/drawingml/2006/main" xmlns:r="http://schemas.openxmlformats.org/officeDocument/2006/relationships" xmlns:p="http://schemas.openxmlformats.org/presentationml/2006/main">
+  <p:cSld>
+    <p:bg>
+      <p:bgPr>
+        <a:solidFill>
+          <a:schemeClr val="accent2"/>
+        </a:solidFill>
+        <a:effectLst/>
+      </p:bgPr>
+    </p:bg>
+    <p:spTree>
+      <p:nvGrpSpPr>
+        <p:cNvPr id="1" name=""/>
+        <p:cNvGrpSpPr/>
+        <p:nvPr/>
+      </p:nvGrpSpPr>
+      <p:grpSpPr>
+        <a:xfrm>
+          <a:off x="0" y="0"/>
+          <a:ext cx="0" cy="0"/>
+          <a:chOff x="0" y="0"/>
+          <a:chExt cx="0" cy="0"/>
+        </a:xfrm>
+      </p:grpSpPr>
+      <p:sp>
+        <p:nvSpPr>
+          <p:cNvPr id="7" name="Title 6">
+            <a:extLst>
+              <a:ext uri="{FF2B5EF4-FFF2-40B4-BE49-F238E27FC236}">
+                <a16:creationId xmlns:a16="http://schemas.microsoft.com/office/drawing/2014/main" id="{96778ACC-8025-47A4-A4BC-A51EA3B62F14}"/>
+              </a:ext>
+            </a:extLst>
+          </p:cNvPr>
+          <p:cNvSpPr>
+            <a:spLocks noGrp="1"/>
+          </p:cNvSpPr>
+          <p:nvPr>
+            <p:ph type="title" idx="4294967295"/>
+          </p:nvPr>
+        </p:nvSpPr>
+        <p:spPr/>
+        <p:txBody>
+          <a:bodyPr/>
+          <a:lstStyle/>
+          <a:p>
+            <a:r>
+              <a:rPr lang="en-US" dirty="0"/>
+              <a:t>Ending slide</a:t>
+            </a:r>
+          </a:p>
+        </p:txBody>
+      </p:sp>
+      <p:sp>
+        <p:nvSpPr>
+          <p:cNvPr id="2" name="TextBox 1">
+            <a:extLst>
+              <a:ext uri="{FF2B5EF4-FFF2-40B4-BE49-F238E27FC236}">
+                <a16:creationId xmlns:a16="http://schemas.microsoft.com/office/drawing/2014/main" id="{6BD59475-CD66-4751-83EF-FEC02A44E31A}"/>
+              </a:ext>
+            </a:extLst>
+          </p:cNvPr>
+          <p:cNvSpPr txBox="1"/>
+          <p:nvPr/>
+        </p:nvSpPr>
+        <p:spPr>
+          <a:xfrm>
+            <a:off x="441734" y="3068901"/>
+            <a:ext cx="11308531" cy="720197"/>
+          </a:xfrm>
+          <a:prstGeom prst="rect">
+            <a:avLst/>
+          </a:prstGeom>
+          <a:noFill/>
+        </p:spPr>
+        <p:txBody>
+          <a:bodyPr wrap="square" rtlCol="0">
+            <a:spAutoFit/>
+          </a:bodyPr>
+          <a:lstStyle/>
+          <a:p>
+            <a:pPr marL="0" marR="0" lvl="0" indent="0" algn="ctr" defTabSz="914400" rtl="0" eaLnBrk="1" fontAlgn="auto" latinLnBrk="0" hangingPunct="1">
+              <a:lnSpc>
+                <a:spcPct val="85000"/>
+              </a:lnSpc>
+              <a:spcBef>
+                <a:spcPts val="0"/>
+              </a:spcBef>
+              <a:spcAft>
+                <a:spcPts val="0"/>
+              </a:spcAft>
+              <a:buClrTx/>
+              <a:buSzTx/>
+              <a:buFontTx/>
+              <a:buNone/>
+              <a:tabLst/>
+              <a:defRPr/>
+            </a:pPr>
+            <a:r>
+              <a:rPr kumimoji="0" lang="en-US" sz="4800" b="1" i="0" u="none" strike="noStrike" kern="1200" cap="none" spc="-20" normalizeH="0" baseline="0" noProof="0" dirty="0">
+                <a:ln>
+                  <a:noFill/>
+                </a:ln>
+                <a:solidFill>
+                  <a:srgbClr val="FFFFFF"/>
+                </a:solidFill>
+                <a:effectLst/>
+                <a:uLnTx/>
+                <a:uFillTx/>
+                <a:latin typeface="Segoe UI"/>
+                <a:ea typeface="+mn-ea"/>
+                <a:cs typeface="+mn-cs"/>
+              </a:rPr>
+              <a:t>The end of the Presentation</a:t>
+            </a:r>
+          </a:p>
+        </p:txBody>
+      </p:sp>
+      <p:sp>
+        <p:nvSpPr>
+          <p:cNvPr id="3" name="Rectangle 2">
+            <a:extLst>
+              <a:ext uri="{FF2B5EF4-FFF2-40B4-BE49-F238E27FC236}">
+                <a16:creationId xmlns:a16="http://schemas.microsoft.com/office/drawing/2014/main" id="{CA480A17-B33A-4E1E-B9C3-7E3069563167}"/>
+              </a:ext>
+              <a:ext uri="{C183D7F6-B498-43B3-948B-1728B52AA6E4}">
+                <adec:decorative xmlns:adec="http://schemas.microsoft.com/office/drawing/2017/decorative" val="1"/>
+              </a:ext>
+            </a:extLst>
+          </p:cNvPr>
+          <p:cNvSpPr/>
+          <p:nvPr/>
+        </p:nvSpPr>
+        <p:spPr>
+          <a:xfrm>
+            <a:off x="0" y="0"/>
+            <a:ext cx="12192000" cy="1240325"/>
+          </a:xfrm>
+          <a:prstGeom prst="rect">
+            <a:avLst/>
+          </a:prstGeom>
+          <a:solidFill>
+            <a:srgbClr val="004568"/>
+          </a:solidFill>
+          <a:ln>
+            <a:noFill/>
+          </a:ln>
+        </p:spPr>
+        <p:style>
+          <a:lnRef idx="2">
+            <a:schemeClr val="accent1">
+              <a:shade val="50000"/>
+            </a:schemeClr>
+          </a:lnRef>
+          <a:fillRef idx="1">
+            <a:schemeClr val="accent1"/>
+          </a:fillRef>
+          <a:effectRef idx="0">
+            <a:schemeClr val="accent1"/>
+          </a:effectRef>
+          <a:fontRef idx="minor">
+            <a:schemeClr val="lt1"/>
+          </a:fontRef>
+        </p:style>
+        <p:txBody>
+          <a:bodyPr rtlCol="0" anchor="ctr"/>
+          <a:lstStyle/>
+          <a:p>
+            <a:pPr algn="ctr"/>
+            <a:endParaRPr lang="en-US"/>
+          </a:p>
+        </p:txBody>
+      </p:sp>
+    </p:spTree>
+    <p:extLst>
+      <p:ext uri="{BB962C8B-B14F-4D97-AF65-F5344CB8AC3E}">
+        <p14:creationId xmlns:p14="http://schemas.microsoft.com/office/powerpoint/2010/main" val="4056726527"/>
+      </p:ext>
+    </p:extLst>
+  </p:cSld>
+  <p:clrMapOvr>
+    <a:masterClrMapping/>
+  </p:clrMapOvr>
+  <mc:AlternateContent xmlns:mc="http://schemas.openxmlformats.org/markup-compatibility/2006" xmlns:p14="http://schemas.microsoft.com/office/powerpoint/2010/main">
+    <mc:Choice Requires="p14">
+      <p:transition spd="med" p14:dur="700">
+        <p:fade/>
+      </p:transition>
+    </mc:Choice>
+    <mc:Fallback xmlns="">
+      <p:transition spd="med">
+        <p:fade/>
+      </p:transition>
+    </mc:Fallback>
+  </mc:AlternateContent>
+</p:sld>
+</file>
+
 <file path=ppt/slides/slide2.xml><?xml version="1.0" encoding="utf-8"?>
 <p:sld xmlns:a="http://schemas.openxmlformats.org/drawingml/2006/main" xmlns:r="http://schemas.openxmlformats.org/officeDocument/2006/relationships" xmlns:p="http://schemas.openxmlformats.org/presentationml/2006/main">
   <p:cSld>
@@ -9026,6 +12836,812 @@
     <p:extLst>
       <p:ext uri="{BB962C8B-B14F-4D97-AF65-F5344CB8AC3E}">
         <p14:creationId xmlns:p14="http://schemas.microsoft.com/office/powerpoint/2010/main" val="382521165"/>
+      </p:ext>
+    </p:extLst>
+  </p:cSld>
+  <p:clrMapOvr>
+    <a:masterClrMapping/>
+  </p:clrMapOvr>
+  <p:transition spd="slow">
+    <p:push/>
+  </p:transition>
+</p:sld>
+</file>
+
+<file path=ppt/slides/slide8.xml><?xml version="1.0" encoding="utf-8"?>
+<p:sld xmlns:a="http://schemas.openxmlformats.org/drawingml/2006/main" xmlns:r="http://schemas.openxmlformats.org/officeDocument/2006/relationships" xmlns:p="http://schemas.openxmlformats.org/presentationml/2006/main">
+  <p:cSld>
+    <p:spTree>
+      <p:nvGrpSpPr>
+        <p:cNvPr id="1" name=""/>
+        <p:cNvGrpSpPr/>
+        <p:nvPr/>
+      </p:nvGrpSpPr>
+      <p:grpSpPr>
+        <a:xfrm>
+          <a:off x="0" y="0"/>
+          <a:ext cx="0" cy="0"/>
+          <a:chOff x="0" y="0"/>
+          <a:chExt cx="0" cy="0"/>
+        </a:xfrm>
+      </p:grpSpPr>
+      <p:sp>
+        <p:nvSpPr>
+          <p:cNvPr id="6" name="Title 5"/>
+          <p:cNvSpPr>
+            <a:spLocks noGrp="1"/>
+          </p:cNvSpPr>
+          <p:nvPr>
+            <p:ph type="title"/>
+          </p:nvPr>
+        </p:nvSpPr>
+        <p:spPr>
+          <a:xfrm>
+            <a:off x="0" y="0"/>
+            <a:ext cx="12192000" cy="1050758"/>
+          </a:xfrm>
+        </p:spPr>
+        <p:txBody>
+          <a:bodyPr/>
+          <a:lstStyle/>
+          <a:p>
+            <a:r>
+              <a:rPr lang="en-US" dirty="0"/>
+              <a:t>Modeling</a:t>
+            </a:r>
+          </a:p>
+        </p:txBody>
+      </p:sp>
+      <p:graphicFrame>
+        <p:nvGraphicFramePr>
+          <p:cNvPr id="20" name="Table 19"/>
+          <p:cNvGraphicFramePr>
+            <a:graphicFrameLocks noGrp="1"/>
+          </p:cNvGraphicFramePr>
+          <p:nvPr>
+            <p:extLst>
+              <p:ext uri="{D42A27DB-BD31-4B8C-83A1-F6EECF244321}">
+                <p14:modId xmlns:p14="http://schemas.microsoft.com/office/powerpoint/2010/main" val="593025700"/>
+              </p:ext>
+            </p:extLst>
+          </p:nvPr>
+        </p:nvGraphicFramePr>
+        <p:xfrm>
+          <a:off x="341745" y="865974"/>
+          <a:ext cx="11342253" cy="5350099"/>
+        </p:xfrm>
+        <a:graphic>
+          <a:graphicData uri="http://schemas.openxmlformats.org/drawingml/2006/table">
+            <a:tbl>
+              <a:tblPr firstRow="1">
+                <a:tableStyleId>{5C22544A-7EE6-4342-B048-85BDC9FD1C3A}</a:tableStyleId>
+              </a:tblPr>
+              <a:tblGrid>
+                <a:gridCol w="11342253">
+                  <a:extLst>
+                    <a:ext uri="{9D8B030D-6E8A-4147-A177-3AD203B41FA5}">
+                      <a16:colId xmlns:a16="http://schemas.microsoft.com/office/drawing/2014/main" val="493813631"/>
+                    </a:ext>
+                  </a:extLst>
+                </a:gridCol>
+              </a:tblGrid>
+              <a:tr h="418753">
+                <a:tc>
+                  <a:txBody>
+                    <a:bodyPr/>
+                    <a:lstStyle/>
+                    <a:p>
+                      <a:pPr algn="l"/>
+                      <a:r>
+                        <a:rPr lang="en-US" sz="1600" dirty="0">
+                          <a:solidFill>
+                            <a:schemeClr val="bg1"/>
+                          </a:solidFill>
+                        </a:rPr>
+                        <a:t>Preparing for the modeling</a:t>
+                      </a:r>
+                      <a:endParaRPr lang="en-US" sz="1100" dirty="0">
+                        <a:solidFill>
+                          <a:schemeClr val="bg1"/>
+                        </a:solidFill>
+                      </a:endParaRPr>
+                    </a:p>
+                  </a:txBody>
+                  <a:tcPr>
+                    <a:lnL w="12700" cmpd="sng">
+                      <a:noFill/>
+                    </a:lnL>
+                    <a:lnR w="12700" cmpd="sng">
+                      <a:noFill/>
+                    </a:lnR>
+                    <a:lnT w="12700" cmpd="sng">
+                      <a:noFill/>
+                    </a:lnT>
+                    <a:lnB w="12700" cmpd="sng">
+                      <a:noFill/>
+                    </a:lnB>
+                    <a:lnTlToBr w="12700" cmpd="sng">
+                      <a:noFill/>
+                      <a:prstDash val="solid"/>
+                    </a:lnTlToBr>
+                    <a:lnBlToTr w="12700" cmpd="sng">
+                      <a:noFill/>
+                      <a:prstDash val="solid"/>
+                    </a:lnBlToTr>
+                    <a:solidFill>
+                      <a:schemeClr val="accent2"/>
+                    </a:solidFill>
+                  </a:tcPr>
+                </a:tc>
+                <a:extLst>
+                  <a:ext uri="{0D108BD9-81ED-4DB2-BD59-A6C34878D82A}">
+                    <a16:rowId xmlns:a16="http://schemas.microsoft.com/office/drawing/2014/main" val="2570369641"/>
+                  </a:ext>
+                </a:extLst>
+              </a:tr>
+              <a:tr h="4931346">
+                <a:tc>
+                  <a:txBody>
+                    <a:bodyPr/>
+                    <a:lstStyle/>
+                    <a:p>
+                      <a:pPr algn="l"/>
+                      <a:r>
+                        <a:rPr lang="en-US" sz="2400" b="0" i="0" dirty="0">
+                          <a:solidFill>
+                            <a:srgbClr val="000000"/>
+                          </a:solidFill>
+                          <a:effectLst/>
+                          <a:latin typeface="Helvetica Neue"/>
+                        </a:rPr>
+                        <a:t>As a preparation, I have wen through the following:</a:t>
+                      </a:r>
+                    </a:p>
+                    <a:p>
+                      <a:pPr marL="342900" indent="-342900" algn="l">
+                        <a:buFont typeface="+mj-lt"/>
+                        <a:buAutoNum type="arabicPeriod"/>
+                      </a:pPr>
+                      <a:r>
+                        <a:rPr lang="en-US" sz="2400" b="0" i="0" dirty="0">
+                          <a:solidFill>
+                            <a:srgbClr val="000000"/>
+                          </a:solidFill>
+                          <a:effectLst/>
+                          <a:latin typeface="Helvetica Neue"/>
+                        </a:rPr>
+                        <a:t>Encoding the income values to be 0 and 1:</a:t>
+                      </a:r>
+                    </a:p>
+                    <a:p>
+                      <a:pPr marL="800100" lvl="1" indent="-342900" algn="l">
+                        <a:buFont typeface="+mj-lt"/>
+                        <a:buAutoNum type="alphaLcPeriod"/>
+                      </a:pPr>
+                      <a:r>
+                        <a:rPr lang="en-US" sz="2400" b="0" i="0" dirty="0">
+                          <a:solidFill>
+                            <a:srgbClr val="000000"/>
+                          </a:solidFill>
+                          <a:effectLst/>
+                          <a:latin typeface="Helvetica Neue"/>
+                        </a:rPr>
+                        <a:t>0 for &lt;=50K</a:t>
+                      </a:r>
+                    </a:p>
+                    <a:p>
+                      <a:pPr marL="800100" lvl="1" indent="-342900" algn="l">
+                        <a:buFont typeface="+mj-lt"/>
+                        <a:buAutoNum type="alphaLcPeriod"/>
+                      </a:pPr>
+                      <a:r>
+                        <a:rPr lang="en-US" sz="2400" b="0" i="0" dirty="0">
+                          <a:solidFill>
+                            <a:srgbClr val="000000"/>
+                          </a:solidFill>
+                          <a:effectLst/>
+                          <a:latin typeface="Helvetica Neue"/>
+                        </a:rPr>
+                        <a:t>1 for &gt;50K</a:t>
+                      </a:r>
+                    </a:p>
+                    <a:p>
+                      <a:pPr marL="342900" lvl="0" indent="-342900" algn="l">
+                        <a:buFont typeface="+mj-lt"/>
+                        <a:buAutoNum type="arabicPeriod"/>
+                      </a:pPr>
+                      <a:r>
+                        <a:rPr lang="en-US" sz="2400" b="0" i="0" kern="1200" dirty="0">
+                          <a:solidFill>
+                            <a:schemeClr val="dk1"/>
+                          </a:solidFill>
+                          <a:effectLst/>
+                          <a:latin typeface="+mn-lt"/>
+                          <a:ea typeface="+mn-ea"/>
+                          <a:cs typeface="+mn-cs"/>
+                        </a:rPr>
+                        <a:t>Log transformation for '</a:t>
+                      </a:r>
+                      <a:r>
+                        <a:rPr lang="en-US" sz="2400" b="0" i="0" kern="1200" dirty="0" err="1">
+                          <a:solidFill>
+                            <a:schemeClr val="dk1"/>
+                          </a:solidFill>
+                          <a:effectLst/>
+                          <a:latin typeface="+mn-lt"/>
+                          <a:ea typeface="+mn-ea"/>
+                          <a:cs typeface="+mn-cs"/>
+                        </a:rPr>
+                        <a:t>capital_gain</a:t>
+                      </a:r>
+                      <a:r>
+                        <a:rPr lang="en-US" sz="2400" b="0" i="0" kern="1200" dirty="0">
+                          <a:solidFill>
+                            <a:schemeClr val="dk1"/>
+                          </a:solidFill>
+                          <a:effectLst/>
+                          <a:latin typeface="+mn-lt"/>
+                          <a:ea typeface="+mn-ea"/>
+                          <a:cs typeface="+mn-cs"/>
+                        </a:rPr>
+                        <a:t>', '</a:t>
+                      </a:r>
+                      <a:r>
+                        <a:rPr lang="en-US" sz="2400" b="0" i="0" kern="1200" dirty="0" err="1">
+                          <a:solidFill>
+                            <a:schemeClr val="dk1"/>
+                          </a:solidFill>
+                          <a:effectLst/>
+                          <a:latin typeface="+mn-lt"/>
+                          <a:ea typeface="+mn-ea"/>
+                          <a:cs typeface="+mn-cs"/>
+                        </a:rPr>
+                        <a:t>capital_loss</a:t>
+                      </a:r>
+                      <a:r>
+                        <a:rPr lang="en-US" sz="2400" b="0" i="0" kern="1200" dirty="0">
+                          <a:solidFill>
+                            <a:schemeClr val="dk1"/>
+                          </a:solidFill>
+                          <a:effectLst/>
+                          <a:latin typeface="+mn-lt"/>
+                          <a:ea typeface="+mn-ea"/>
+                          <a:cs typeface="+mn-cs"/>
+                        </a:rPr>
+                        <a:t>’ as they are both are skewed.</a:t>
+                      </a:r>
+                    </a:p>
+                    <a:p>
+                      <a:pPr marL="342900" lvl="0" indent="-342900" algn="l">
+                        <a:buFont typeface="+mj-lt"/>
+                        <a:buAutoNum type="arabicPeriod"/>
+                      </a:pPr>
+                      <a:r>
+                        <a:rPr lang="en-US" sz="2400" b="0" i="0" kern="1200" dirty="0">
+                          <a:solidFill>
+                            <a:schemeClr val="dk1"/>
+                          </a:solidFill>
+                          <a:effectLst/>
+                          <a:latin typeface="+mn-lt"/>
+                          <a:ea typeface="+mn-ea"/>
+                          <a:cs typeface="+mn-cs"/>
+                        </a:rPr>
+                        <a:t>Oversampling the dataset using resample function. </a:t>
+                      </a:r>
+                    </a:p>
+                    <a:p>
+                      <a:pPr marL="342900" lvl="0" indent="-342900" algn="l">
+                        <a:buFont typeface="+mj-lt"/>
+                        <a:buAutoNum type="arabicPeriod"/>
+                      </a:pPr>
+                      <a:r>
+                        <a:rPr lang="en-US" sz="2400" b="0" i="0" kern="1200" dirty="0">
+                          <a:solidFill>
+                            <a:schemeClr val="dk1"/>
+                          </a:solidFill>
+                          <a:effectLst/>
+                          <a:latin typeface="+mn-lt"/>
+                          <a:ea typeface="+mn-ea"/>
+                          <a:cs typeface="+mn-cs"/>
+                        </a:rPr>
+                        <a:t>Encoding the non-numeric data using </a:t>
+                      </a:r>
+                      <a:r>
+                        <a:rPr lang="en-US" sz="2400" b="0" i="0" kern="1200" dirty="0" err="1">
+                          <a:solidFill>
+                            <a:schemeClr val="dk1"/>
+                          </a:solidFill>
+                          <a:effectLst/>
+                          <a:latin typeface="+mn-lt"/>
+                          <a:ea typeface="+mn-ea"/>
+                          <a:cs typeface="+mn-cs"/>
+                        </a:rPr>
+                        <a:t>get_dummies</a:t>
+                      </a:r>
+                      <a:r>
+                        <a:rPr lang="en-US" sz="2400" b="0" i="0" kern="1200" dirty="0">
+                          <a:solidFill>
+                            <a:schemeClr val="dk1"/>
+                          </a:solidFill>
+                          <a:effectLst/>
+                          <a:latin typeface="+mn-lt"/>
+                          <a:ea typeface="+mn-ea"/>
+                          <a:cs typeface="+mn-cs"/>
+                        </a:rPr>
+                        <a:t> function. </a:t>
+                      </a:r>
+                      <a:endParaRPr lang="en-US" sz="2400" b="0" i="0" dirty="0">
+                        <a:solidFill>
+                          <a:srgbClr val="000000"/>
+                        </a:solidFill>
+                        <a:effectLst/>
+                        <a:latin typeface="Helvetica Neue"/>
+                      </a:endParaRPr>
+                    </a:p>
+                  </a:txBody>
+                  <a:tcPr anchor="ctr">
+                    <a:lnL w="12700" cmpd="sng">
+                      <a:noFill/>
+                    </a:lnL>
+                    <a:lnR w="12700" cmpd="sng">
+                      <a:noFill/>
+                    </a:lnR>
+                    <a:lnT w="12700" cmpd="sng">
+                      <a:noFill/>
+                    </a:lnT>
+                    <a:lnB w="3175" cap="flat" cmpd="sng" algn="ctr">
+                      <a:solidFill>
+                        <a:schemeClr val="accent2"/>
+                      </a:solidFill>
+                      <a:prstDash val="solid"/>
+                      <a:round/>
+                      <a:headEnd type="none" w="med" len="med"/>
+                      <a:tailEnd type="none" w="med" len="med"/>
+                    </a:lnB>
+                    <a:lnTlToBr w="12700" cmpd="sng">
+                      <a:noFill/>
+                      <a:prstDash val="solid"/>
+                    </a:lnTlToBr>
+                    <a:lnBlToTr w="12700" cmpd="sng">
+                      <a:noFill/>
+                      <a:prstDash val="solid"/>
+                    </a:lnBlToTr>
+                    <a:solidFill>
+                      <a:schemeClr val="bg1"/>
+                    </a:solidFill>
+                  </a:tcPr>
+                </a:tc>
+                <a:extLst>
+                  <a:ext uri="{0D108BD9-81ED-4DB2-BD59-A6C34878D82A}">
+                    <a16:rowId xmlns:a16="http://schemas.microsoft.com/office/drawing/2014/main" val="3241782274"/>
+                  </a:ext>
+                </a:extLst>
+              </a:tr>
+            </a:tbl>
+          </a:graphicData>
+        </a:graphic>
+      </p:graphicFrame>
+      <p:sp>
+        <p:nvSpPr>
+          <p:cNvPr id="5" name="Slide Number Placeholder 4"/>
+          <p:cNvSpPr>
+            <a:spLocks noGrp="1"/>
+          </p:cNvSpPr>
+          <p:nvPr>
+            <p:ph type="sldNum" sz="quarter" idx="4294967295"/>
+          </p:nvPr>
+        </p:nvSpPr>
+        <p:spPr>
+          <a:xfrm>
+            <a:off x="9448800" y="6316663"/>
+            <a:ext cx="2743200" cy="365125"/>
+          </a:xfrm>
+        </p:spPr>
+        <p:txBody>
+          <a:bodyPr/>
+          <a:lstStyle/>
+          <a:p>
+            <a:fld id="{5AE1514C-5E56-4738-A1FF-4B1CFD2A3E36}" type="slidenum">
+              <a:rPr lang="en-US" smtClean="0"/>
+              <a:t>8</a:t>
+            </a:fld>
+            <a:endParaRPr lang="en-US"/>
+          </a:p>
+        </p:txBody>
+      </p:sp>
+    </p:spTree>
+    <p:extLst>
+      <p:ext uri="{BB962C8B-B14F-4D97-AF65-F5344CB8AC3E}">
+        <p14:creationId xmlns:p14="http://schemas.microsoft.com/office/powerpoint/2010/main" val="71665641"/>
+      </p:ext>
+    </p:extLst>
+  </p:cSld>
+  <p:clrMapOvr>
+    <a:masterClrMapping/>
+  </p:clrMapOvr>
+  <p:transition spd="slow">
+    <p:push/>
+  </p:transition>
+</p:sld>
+</file>
+
+<file path=ppt/slides/slide9.xml><?xml version="1.0" encoding="utf-8"?>
+<p:sld xmlns:a="http://schemas.openxmlformats.org/drawingml/2006/main" xmlns:r="http://schemas.openxmlformats.org/officeDocument/2006/relationships" xmlns:p="http://schemas.openxmlformats.org/presentationml/2006/main">
+  <p:cSld>
+    <p:spTree>
+      <p:nvGrpSpPr>
+        <p:cNvPr id="1" name=""/>
+        <p:cNvGrpSpPr/>
+        <p:nvPr/>
+      </p:nvGrpSpPr>
+      <p:grpSpPr>
+        <a:xfrm>
+          <a:off x="0" y="0"/>
+          <a:ext cx="0" cy="0"/>
+          <a:chOff x="0" y="0"/>
+          <a:chExt cx="0" cy="0"/>
+        </a:xfrm>
+      </p:grpSpPr>
+      <p:sp>
+        <p:nvSpPr>
+          <p:cNvPr id="6" name="Title 5"/>
+          <p:cNvSpPr>
+            <a:spLocks noGrp="1"/>
+          </p:cNvSpPr>
+          <p:nvPr>
+            <p:ph type="title"/>
+          </p:nvPr>
+        </p:nvSpPr>
+        <p:spPr>
+          <a:xfrm>
+            <a:off x="0" y="0"/>
+            <a:ext cx="12192000" cy="1050758"/>
+          </a:xfrm>
+        </p:spPr>
+        <p:txBody>
+          <a:bodyPr/>
+          <a:lstStyle/>
+          <a:p>
+            <a:r>
+              <a:rPr lang="en-US" dirty="0"/>
+              <a:t>Modeling</a:t>
+            </a:r>
+          </a:p>
+        </p:txBody>
+      </p:sp>
+      <p:graphicFrame>
+        <p:nvGraphicFramePr>
+          <p:cNvPr id="20" name="Table 19"/>
+          <p:cNvGraphicFramePr>
+            <a:graphicFrameLocks noGrp="1"/>
+          </p:cNvGraphicFramePr>
+          <p:nvPr>
+            <p:extLst>
+              <p:ext uri="{D42A27DB-BD31-4B8C-83A1-F6EECF244321}">
+                <p14:modId xmlns:p14="http://schemas.microsoft.com/office/powerpoint/2010/main" val="3032729472"/>
+              </p:ext>
+            </p:extLst>
+          </p:nvPr>
+        </p:nvGraphicFramePr>
+        <p:xfrm>
+          <a:off x="341745" y="865974"/>
+          <a:ext cx="11342253" cy="5630833"/>
+        </p:xfrm>
+        <a:graphic>
+          <a:graphicData uri="http://schemas.openxmlformats.org/drawingml/2006/table">
+            <a:tbl>
+              <a:tblPr firstRow="1">
+                <a:tableStyleId>{5C22544A-7EE6-4342-B048-85BDC9FD1C3A}</a:tableStyleId>
+              </a:tblPr>
+              <a:tblGrid>
+                <a:gridCol w="11342253">
+                  <a:extLst>
+                    <a:ext uri="{9D8B030D-6E8A-4147-A177-3AD203B41FA5}">
+                      <a16:colId xmlns:a16="http://schemas.microsoft.com/office/drawing/2014/main" val="493813631"/>
+                    </a:ext>
+                  </a:extLst>
+                </a:gridCol>
+              </a:tblGrid>
+              <a:tr h="418753">
+                <a:tc>
+                  <a:txBody>
+                    <a:bodyPr/>
+                    <a:lstStyle/>
+                    <a:p>
+                      <a:pPr algn="l"/>
+                      <a:r>
+                        <a:rPr lang="en-US" sz="1600" dirty="0">
+                          <a:solidFill>
+                            <a:schemeClr val="bg1"/>
+                          </a:solidFill>
+                        </a:rPr>
+                        <a:t>Building the model</a:t>
+                      </a:r>
+                      <a:endParaRPr lang="en-US" sz="1100" dirty="0">
+                        <a:solidFill>
+                          <a:schemeClr val="bg1"/>
+                        </a:solidFill>
+                      </a:endParaRPr>
+                    </a:p>
+                  </a:txBody>
+                  <a:tcPr>
+                    <a:lnL w="12700" cmpd="sng">
+                      <a:noFill/>
+                    </a:lnL>
+                    <a:lnR w="12700" cmpd="sng">
+                      <a:noFill/>
+                    </a:lnR>
+                    <a:lnT w="12700" cmpd="sng">
+                      <a:noFill/>
+                    </a:lnT>
+                    <a:lnB w="12700" cmpd="sng">
+                      <a:noFill/>
+                    </a:lnB>
+                    <a:lnTlToBr w="12700" cmpd="sng">
+                      <a:noFill/>
+                      <a:prstDash val="solid"/>
+                    </a:lnTlToBr>
+                    <a:lnBlToTr w="12700" cmpd="sng">
+                      <a:noFill/>
+                      <a:prstDash val="solid"/>
+                    </a:lnBlToTr>
+                    <a:solidFill>
+                      <a:schemeClr val="accent2"/>
+                    </a:solidFill>
+                  </a:tcPr>
+                </a:tc>
+                <a:extLst>
+                  <a:ext uri="{0D108BD9-81ED-4DB2-BD59-A6C34878D82A}">
+                    <a16:rowId xmlns:a16="http://schemas.microsoft.com/office/drawing/2014/main" val="2570369641"/>
+                  </a:ext>
+                </a:extLst>
+              </a:tr>
+              <a:tr h="4931346">
+                <a:tc>
+                  <a:txBody>
+                    <a:bodyPr/>
+                    <a:lstStyle/>
+                    <a:p>
+                      <a:pPr algn="l"/>
+                      <a:r>
+                        <a:rPr lang="en-US" sz="2400" b="0" i="0" dirty="0">
+                          <a:solidFill>
+                            <a:srgbClr val="000000"/>
+                          </a:solidFill>
+                          <a:effectLst/>
+                          <a:latin typeface="Helvetica Neue"/>
+                        </a:rPr>
+                        <a:t>There are many classification models available. To choose the best, I tested 6 different models:</a:t>
+                      </a:r>
+                    </a:p>
+                    <a:p>
+                      <a:pPr algn="l"/>
+                      <a:r>
+                        <a:rPr lang="en-US" sz="2400" b="0" i="0" dirty="0">
+                          <a:solidFill>
+                            <a:srgbClr val="000000"/>
+                          </a:solidFill>
+                          <a:effectLst/>
+                          <a:latin typeface="Helvetica Neue"/>
+                        </a:rPr>
+                        <a:t>1- logistic regression</a:t>
+                      </a:r>
+                    </a:p>
+                    <a:p>
+                      <a:pPr algn="l"/>
+                      <a:r>
+                        <a:rPr lang="en-US" sz="2400" b="0" i="0" dirty="0">
+                          <a:solidFill>
+                            <a:srgbClr val="000000"/>
+                          </a:solidFill>
+                          <a:effectLst/>
+                          <a:latin typeface="Helvetica Neue"/>
+                        </a:rPr>
+                        <a:t>2- Ada Boost Classifier </a:t>
+                      </a:r>
+                    </a:p>
+                    <a:p>
+                      <a:pPr algn="l"/>
+                      <a:r>
+                        <a:rPr lang="en-US" sz="2400" b="0" i="0" dirty="0">
+                          <a:solidFill>
+                            <a:srgbClr val="000000"/>
+                          </a:solidFill>
+                          <a:effectLst/>
+                          <a:latin typeface="Helvetica Neue"/>
+                        </a:rPr>
+                        <a:t>3- Gaussian NB </a:t>
+                      </a:r>
+                    </a:p>
+                    <a:p>
+                      <a:pPr algn="l"/>
+                      <a:r>
+                        <a:rPr lang="en-US" sz="2400" b="0" i="0" dirty="0">
+                          <a:solidFill>
+                            <a:srgbClr val="000000"/>
+                          </a:solidFill>
+                          <a:effectLst/>
+                          <a:latin typeface="Helvetica Neue"/>
+                        </a:rPr>
+                        <a:t>4- Decision Tree Classifier</a:t>
+                      </a:r>
+                    </a:p>
+                    <a:p>
+                      <a:pPr algn="l"/>
+                      <a:r>
+                        <a:rPr lang="en-US" sz="2400" b="0" i="0" dirty="0">
+                          <a:solidFill>
+                            <a:srgbClr val="000000"/>
+                          </a:solidFill>
+                          <a:effectLst/>
+                          <a:latin typeface="Helvetica Neue"/>
+                        </a:rPr>
+                        <a:t>5- Random Forest Classifier</a:t>
+                      </a:r>
+                    </a:p>
+                    <a:p>
+                      <a:pPr algn="l"/>
+                      <a:r>
+                        <a:rPr lang="en-US" sz="2400" b="0" i="0" dirty="0">
+                          <a:solidFill>
+                            <a:srgbClr val="000000"/>
+                          </a:solidFill>
+                          <a:effectLst/>
+                          <a:latin typeface="Helvetica Neue"/>
+                        </a:rPr>
+                        <a:t>6- Gradient Boosting Classifier</a:t>
+                      </a:r>
+                    </a:p>
+                    <a:p>
+                      <a:pPr algn="l"/>
+                      <a:endParaRPr lang="en-US" sz="2400" b="0" i="0" dirty="0">
+                        <a:solidFill>
+                          <a:srgbClr val="000000"/>
+                        </a:solidFill>
+                        <a:effectLst/>
+                        <a:latin typeface="Helvetica Neue"/>
+                      </a:endParaRPr>
+                    </a:p>
+                    <a:p>
+                      <a:pPr algn="l"/>
+                      <a:r>
+                        <a:rPr lang="en-US" sz="2400" b="0" i="0" dirty="0">
+                          <a:solidFill>
+                            <a:srgbClr val="000000"/>
+                          </a:solidFill>
+                          <a:effectLst/>
+                          <a:latin typeface="Helvetica Neue"/>
+                        </a:rPr>
+                        <a:t>To compare them, I used the following values:</a:t>
+                      </a:r>
+                    </a:p>
+                    <a:p>
+                      <a:pPr algn="l"/>
+                      <a:r>
+                        <a:rPr lang="en-US" sz="2400" b="0" i="0" dirty="0">
+                          <a:solidFill>
+                            <a:srgbClr val="000000"/>
+                          </a:solidFill>
+                          <a:effectLst/>
+                          <a:latin typeface="Helvetica Neue"/>
+                        </a:rPr>
+                        <a:t>1- f1-score.</a:t>
+                      </a:r>
+                    </a:p>
+                    <a:p>
+                      <a:pPr algn="l"/>
+                      <a:r>
+                        <a:rPr lang="en-US" sz="2400" b="0" i="0" dirty="0">
+                          <a:solidFill>
+                            <a:srgbClr val="000000"/>
+                          </a:solidFill>
+                          <a:effectLst/>
+                          <a:latin typeface="Helvetica Neue"/>
+                        </a:rPr>
+                        <a:t>2- accuracy.</a:t>
+                      </a:r>
+                    </a:p>
+                    <a:p>
+                      <a:pPr algn="l"/>
+                      <a:r>
+                        <a:rPr lang="en-US" sz="2400" b="0" i="0" dirty="0">
+                          <a:solidFill>
+                            <a:srgbClr val="000000"/>
+                          </a:solidFill>
+                          <a:effectLst/>
+                          <a:latin typeface="Helvetica Neue"/>
+                        </a:rPr>
+                        <a:t>3- MSE.</a:t>
+                      </a:r>
+                    </a:p>
+                    <a:p>
+                      <a:pPr algn="l"/>
+                      <a:r>
+                        <a:rPr lang="en-US" sz="2400" b="0" i="0" dirty="0">
+                          <a:solidFill>
+                            <a:srgbClr val="000000"/>
+                          </a:solidFill>
+                          <a:effectLst/>
+                          <a:latin typeface="Helvetica Neue"/>
+                        </a:rPr>
+                        <a:t>4- The confusion Matrix. </a:t>
+                      </a:r>
+                    </a:p>
+                  </a:txBody>
+                  <a:tcPr anchor="ctr">
+                    <a:lnL w="12700" cmpd="sng">
+                      <a:noFill/>
+                    </a:lnL>
+                    <a:lnR w="12700" cmpd="sng">
+                      <a:noFill/>
+                    </a:lnR>
+                    <a:lnT w="12700" cmpd="sng">
+                      <a:noFill/>
+                    </a:lnT>
+                    <a:lnB w="3175" cap="flat" cmpd="sng" algn="ctr">
+                      <a:solidFill>
+                        <a:schemeClr val="accent2"/>
+                      </a:solidFill>
+                      <a:prstDash val="solid"/>
+                      <a:round/>
+                      <a:headEnd type="none" w="med" len="med"/>
+                      <a:tailEnd type="none" w="med" len="med"/>
+                    </a:lnB>
+                    <a:lnTlToBr w="12700" cmpd="sng">
+                      <a:noFill/>
+                      <a:prstDash val="solid"/>
+                    </a:lnTlToBr>
+                    <a:lnBlToTr w="12700" cmpd="sng">
+                      <a:noFill/>
+                      <a:prstDash val="solid"/>
+                    </a:lnBlToTr>
+                    <a:solidFill>
+                      <a:schemeClr val="bg1"/>
+                    </a:solidFill>
+                  </a:tcPr>
+                </a:tc>
+                <a:extLst>
+                  <a:ext uri="{0D108BD9-81ED-4DB2-BD59-A6C34878D82A}">
+                    <a16:rowId xmlns:a16="http://schemas.microsoft.com/office/drawing/2014/main" val="3241782274"/>
+                  </a:ext>
+                </a:extLst>
+              </a:tr>
+            </a:tbl>
+          </a:graphicData>
+        </a:graphic>
+      </p:graphicFrame>
+      <p:sp>
+        <p:nvSpPr>
+          <p:cNvPr id="5" name="Slide Number Placeholder 4"/>
+          <p:cNvSpPr>
+            <a:spLocks noGrp="1"/>
+          </p:cNvSpPr>
+          <p:nvPr>
+            <p:ph type="sldNum" sz="quarter" idx="4294967295"/>
+          </p:nvPr>
+        </p:nvSpPr>
+        <p:spPr>
+          <a:xfrm>
+            <a:off x="9448800" y="6316663"/>
+            <a:ext cx="2743200" cy="365125"/>
+          </a:xfrm>
+        </p:spPr>
+        <p:txBody>
+          <a:bodyPr/>
+          <a:lstStyle/>
+          <a:p>
+            <a:fld id="{5AE1514C-5E56-4738-A1FF-4B1CFD2A3E36}" type="slidenum">
+              <a:rPr lang="en-US" smtClean="0"/>
+              <a:t>9</a:t>
+            </a:fld>
+            <a:endParaRPr lang="en-US"/>
+          </a:p>
+        </p:txBody>
+      </p:sp>
+    </p:spTree>
+    <p:extLst>
+      <p:ext uri="{BB962C8B-B14F-4D97-AF65-F5344CB8AC3E}">
+        <p14:creationId xmlns:p14="http://schemas.microsoft.com/office/powerpoint/2010/main" val="3397597300"/>
       </p:ext>
     </p:extLst>
   </p:cSld>
